--- a/Дипломна защита_NEW.pptx
+++ b/Дипломна защита_NEW.pptx
@@ -5,28 +5,27 @@
     <p:sldMasterId id="2147483830" r:id="rId1"/>
   </p:sldMasterIdLst>
   <p:notesMasterIdLst>
-    <p:notesMasterId r:id="rId21"/>
+    <p:notesMasterId r:id="rId20"/>
   </p:notesMasterIdLst>
   <p:sldIdLst>
     <p:sldId id="256" r:id="rId2"/>
     <p:sldId id="257" r:id="rId3"/>
     <p:sldId id="261" r:id="rId4"/>
-    <p:sldId id="262" r:id="rId5"/>
-    <p:sldId id="263" r:id="rId6"/>
-    <p:sldId id="265" r:id="rId7"/>
-    <p:sldId id="269" r:id="rId8"/>
-    <p:sldId id="272" r:id="rId9"/>
-    <p:sldId id="273" r:id="rId10"/>
-    <p:sldId id="275" r:id="rId11"/>
-    <p:sldId id="277" r:id="rId12"/>
-    <p:sldId id="278" r:id="rId13"/>
-    <p:sldId id="280" r:id="rId14"/>
-    <p:sldId id="281" r:id="rId15"/>
-    <p:sldId id="283" r:id="rId16"/>
-    <p:sldId id="291" r:id="rId17"/>
-    <p:sldId id="293" r:id="rId18"/>
-    <p:sldId id="302" r:id="rId19"/>
-    <p:sldId id="303" r:id="rId20"/>
+    <p:sldId id="263" r:id="rId5"/>
+    <p:sldId id="265" r:id="rId6"/>
+    <p:sldId id="269" r:id="rId7"/>
+    <p:sldId id="272" r:id="rId8"/>
+    <p:sldId id="273" r:id="rId9"/>
+    <p:sldId id="275" r:id="rId10"/>
+    <p:sldId id="277" r:id="rId11"/>
+    <p:sldId id="278" r:id="rId12"/>
+    <p:sldId id="280" r:id="rId13"/>
+    <p:sldId id="281" r:id="rId14"/>
+    <p:sldId id="283" r:id="rId15"/>
+    <p:sldId id="291" r:id="rId16"/>
+    <p:sldId id="293" r:id="rId17"/>
+    <p:sldId id="302" r:id="rId18"/>
+    <p:sldId id="303" r:id="rId19"/>
   </p:sldIdLst>
   <p:sldSz cx="12192000" cy="6858000"/>
   <p:notesSz cx="6858000" cy="9144000"/>
@@ -215,7 +214,7 @@
           <a:p>
             <a:fld id="{CA633E27-5E61-4D35-B289-0AFEE3084A15}" type="datetimeFigureOut">
               <a:rPr lang="bg-BG" smtClean="0"/>
-              <a:t>21.1.2023 г.</a:t>
+              <a:t>22.1.2023 г.</a:t>
             </a:fld>
             <a:endParaRPr lang="bg-BG"/>
           </a:p>
@@ -755,7 +754,7 @@
           <a:p>
             <a:fld id="{94B35AAC-343E-4EC3-9638-2FB485D59C6C}" type="datetime1">
               <a:rPr lang="bg-BG" smtClean="0"/>
-              <a:t>21.1.2023 г.</a:t>
+              <a:t>22.1.2023 г.</a:t>
             </a:fld>
             <a:endParaRPr lang="bg-BG"/>
           </a:p>
@@ -1093,7 +1092,7 @@
           <a:p>
             <a:fld id="{69C02565-3266-48A3-A50D-25EBF8FD802A}" type="datetime1">
               <a:rPr lang="bg-BG" smtClean="0"/>
-              <a:t>21.1.2023 г.</a:t>
+              <a:t>22.1.2023 г.</a:t>
             </a:fld>
             <a:endParaRPr lang="bg-BG"/>
           </a:p>
@@ -1494,7 +1493,7 @@
           <a:p>
             <a:fld id="{760814E7-A0F7-41B8-91D1-7B1815EA433F}" type="datetime1">
               <a:rPr lang="bg-BG" smtClean="0"/>
-              <a:t>21.1.2023 г.</a:t>
+              <a:t>22.1.2023 г.</a:t>
             </a:fld>
             <a:endParaRPr lang="bg-BG"/>
           </a:p>
@@ -1830,7 +1829,7 @@
           <a:p>
             <a:fld id="{01D33270-C498-43D3-8FA1-05A4481A9B2F}" type="datetime1">
               <a:rPr lang="bg-BG" smtClean="0"/>
-              <a:t>21.1.2023 г.</a:t>
+              <a:t>22.1.2023 г.</a:t>
             </a:fld>
             <a:endParaRPr lang="bg-BG"/>
           </a:p>
@@ -2150,7 +2149,7 @@
           <a:p>
             <a:fld id="{E86720A6-B099-4B51-AFC4-4CA0A78F9FD5}" type="datetime1">
               <a:rPr lang="bg-BG" smtClean="0"/>
-              <a:t>21.1.2023 г.</a:t>
+              <a:t>22.1.2023 г.</a:t>
             </a:fld>
             <a:endParaRPr lang="bg-BG"/>
           </a:p>
@@ -2546,7 +2545,7 @@
           <a:p>
             <a:fld id="{EC40E2D7-05A5-4FAF-8977-764D6BAC524D}" type="datetime1">
               <a:rPr lang="bg-BG" smtClean="0"/>
-              <a:t>21.1.2023 г.</a:t>
+              <a:t>22.1.2023 г.</a:t>
             </a:fld>
             <a:endParaRPr lang="bg-BG"/>
           </a:p>
@@ -2803,7 +2802,7 @@
           <a:p>
             <a:fld id="{8A94569B-3966-4751-95A5-A1C376325ABD}" type="datetime1">
               <a:rPr lang="bg-BG" smtClean="0"/>
-              <a:t>21.1.2023 г.</a:t>
+              <a:t>22.1.2023 г.</a:t>
             </a:fld>
             <a:endParaRPr lang="bg-BG"/>
           </a:p>
@@ -3065,7 +3064,7 @@
           <a:p>
             <a:fld id="{15094FEB-BC2A-4E57-BF80-4F36F6E735C7}" type="datetime1">
               <a:rPr lang="bg-BG" smtClean="0"/>
-              <a:t>21.1.2023 г.</a:t>
+              <a:t>22.1.2023 г.</a:t>
             </a:fld>
             <a:endParaRPr lang="bg-BG"/>
           </a:p>
@@ -3327,7 +3326,7 @@
           <a:p>
             <a:fld id="{B4243B81-3BC4-4DB3-9A73-C26AECDE2113}" type="datetime1">
               <a:rPr lang="bg-BG" smtClean="0"/>
-              <a:t>21.1.2023 г.</a:t>
+              <a:t>22.1.2023 г.</a:t>
             </a:fld>
             <a:endParaRPr lang="bg-BG"/>
           </a:p>
@@ -3656,7 +3655,7 @@
           <a:p>
             <a:fld id="{CB1EA7BF-18F4-491E-85EF-49AF85539728}" type="datetime1">
               <a:rPr lang="bg-BG" smtClean="0"/>
-              <a:t>21.1.2023 г.</a:t>
+              <a:t>22.1.2023 г.</a:t>
             </a:fld>
             <a:endParaRPr lang="bg-BG"/>
           </a:p>
@@ -3979,7 +3978,7 @@
           <a:p>
             <a:fld id="{01894C4C-80CC-43CE-A050-EE4E5E599158}" type="datetime1">
               <a:rPr lang="bg-BG" smtClean="0"/>
-              <a:t>21.1.2023 г.</a:t>
+              <a:t>22.1.2023 г.</a:t>
             </a:fld>
             <a:endParaRPr lang="bg-BG"/>
           </a:p>
@@ -4436,7 +4435,7 @@
           <a:p>
             <a:fld id="{8DDCC7F5-A1E9-4D01-ADA0-C663C504F0E7}" type="datetime1">
               <a:rPr lang="bg-BG" smtClean="0"/>
-              <a:t>21.1.2023 г.</a:t>
+              <a:t>22.1.2023 г.</a:t>
             </a:fld>
             <a:endParaRPr lang="bg-BG"/>
           </a:p>
@@ -4641,7 +4640,7 @@
           <a:p>
             <a:fld id="{CAB17986-44B4-4828-8094-4437F5538616}" type="datetime1">
               <a:rPr lang="bg-BG" smtClean="0"/>
-              <a:t>21.1.2023 г.</a:t>
+              <a:t>22.1.2023 г.</a:t>
             </a:fld>
             <a:endParaRPr lang="bg-BG"/>
           </a:p>
@@ -4818,7 +4817,7 @@
           <a:p>
             <a:fld id="{2B718718-58C1-4E00-AA3B-4629690AC672}" type="datetime1">
               <a:rPr lang="bg-BG" smtClean="0"/>
-              <a:t>21.1.2023 г.</a:t>
+              <a:t>22.1.2023 г.</a:t>
             </a:fld>
             <a:endParaRPr lang="bg-BG"/>
           </a:p>
@@ -5151,7 +5150,7 @@
           <a:p>
             <a:fld id="{BAF25C22-CF78-4A21-A29D-D1E993F9B7B8}" type="datetime1">
               <a:rPr lang="bg-BG" smtClean="0"/>
-              <a:t>21.1.2023 г.</a:t>
+              <a:t>22.1.2023 г.</a:t>
             </a:fld>
             <a:endParaRPr lang="bg-BG"/>
           </a:p>
@@ -5496,7 +5495,7 @@
           <a:p>
             <a:fld id="{C9E0D8AD-87B6-4FD7-963F-45A4CB7519C6}" type="datetime1">
               <a:rPr lang="bg-BG" smtClean="0"/>
-              <a:t>21.1.2023 г.</a:t>
+              <a:t>22.1.2023 г.</a:t>
             </a:fld>
             <a:endParaRPr lang="bg-BG"/>
           </a:p>
@@ -7613,7 +7612,7 @@
           <a:p>
             <a:fld id="{85C8DD86-BC9C-4E56-A49B-D055BFFF10B2}" type="datetime1">
               <a:rPr lang="bg-BG" smtClean="0"/>
-              <a:t>21.1.2023 г.</a:t>
+              <a:t>22.1.2023 г.</a:t>
             </a:fld>
             <a:endParaRPr lang="bg-BG"/>
           </a:p>
@@ -8322,10 +8321,10 @@
       </p:grpSpPr>
       <p:sp>
         <p:nvSpPr>
-          <p:cNvPr id="3" name="Content Placeholder 2">
+          <p:cNvPr id="2" name="Title 1">
             <a:extLst>
               <a:ext uri="{FF2B5EF4-FFF2-40B4-BE49-F238E27FC236}">
-                <a16:creationId xmlns:a16="http://schemas.microsoft.com/office/drawing/2014/main" xmlns="" id="{5D66CA2D-4827-4508-95CB-E90CAA427AE6}"/>
+                <a16:creationId xmlns="" xmlns:a16="http://schemas.microsoft.com/office/drawing/2014/main" id="{9B68BBE6-144A-46E8-B81C-C05F3908A5C1}"/>
               </a:ext>
             </a:extLst>
           </p:cNvPr>
@@ -8333,180 +8332,6 @@
             <a:spLocks noGrp="1"/>
           </p:cNvSpPr>
           <p:nvPr>
-            <p:ph idx="1"/>
-          </p:nvPr>
-        </p:nvSpPr>
-        <p:spPr>
-          <a:xfrm>
-            <a:off x="2135884" y="782792"/>
-            <a:ext cx="8915400" cy="740229"/>
-          </a:xfrm>
-        </p:spPr>
-        <p:txBody>
-          <a:bodyPr>
-            <a:normAutofit/>
-          </a:bodyPr>
-          <a:lstStyle/>
-          <a:p>
-            <a:r>
-              <a:rPr lang="bg-BG" sz="2400" dirty="0" smtClean="0"/>
-              <a:t>Преглед на профилна информация и резервации</a:t>
-            </a:r>
-            <a:endParaRPr lang="en-US" sz="2400" dirty="0"/>
-          </a:p>
-        </p:txBody>
-      </p:sp>
-      <p:sp>
-        <p:nvSpPr>
-          <p:cNvPr id="4" name="Slide Number Placeholder 3">
-            <a:extLst>
-              <a:ext uri="{FF2B5EF4-FFF2-40B4-BE49-F238E27FC236}">
-                <a16:creationId xmlns:a16="http://schemas.microsoft.com/office/drawing/2014/main" xmlns="" id="{9F124544-E891-4B06-9B63-1C7D6FAAD422}"/>
-              </a:ext>
-            </a:extLst>
-          </p:cNvPr>
-          <p:cNvSpPr>
-            <a:spLocks noGrp="1"/>
-          </p:cNvSpPr>
-          <p:nvPr>
-            <p:ph type="sldNum" sz="quarter" idx="12"/>
-          </p:nvPr>
-        </p:nvSpPr>
-        <p:spPr/>
-        <p:txBody>
-          <a:bodyPr/>
-          <a:lstStyle/>
-          <a:p>
-            <a:fld id="{7C933938-B8E8-47AB-B89E-92B6FF3A5B7F}" type="slidenum">
-              <a:rPr lang="bg-BG" smtClean="0"/>
-              <a:t>10</a:t>
-            </a:fld>
-            <a:endParaRPr lang="bg-BG"/>
-          </a:p>
-        </p:txBody>
-      </p:sp>
-      <p:pic>
-        <p:nvPicPr>
-          <p:cNvPr id="6" name="Picture 5" descr="Text&#10;&#10;Description automatically generated">
-            <a:extLst>
-              <a:ext uri="{FF2B5EF4-FFF2-40B4-BE49-F238E27FC236}">
-                <a16:creationId xmlns:a16="http://schemas.microsoft.com/office/drawing/2014/main" xmlns="" id="{F570B065-752D-4EC5-A56E-4F12BF332A6F}"/>
-              </a:ext>
-            </a:extLst>
-          </p:cNvPr>
-          <p:cNvPicPr>
-            <a:picLocks noChangeAspect="1"/>
-          </p:cNvPicPr>
-          <p:nvPr/>
-        </p:nvPicPr>
-        <p:blipFill>
-          <a:blip r:embed="rId2">
-            <a:extLst>
-              <a:ext uri="{28A0092B-C50C-407E-A947-70E740481C1C}">
-                <a14:useLocalDpi xmlns:a14="http://schemas.microsoft.com/office/drawing/2010/main" val="0"/>
-              </a:ext>
-            </a:extLst>
-          </a:blip>
-          <a:stretch>
-            <a:fillRect/>
-          </a:stretch>
-        </p:blipFill>
-        <p:spPr>
-          <a:xfrm>
-            <a:off x="250717" y="1592032"/>
-            <a:ext cx="8734837" cy="3543300"/>
-          </a:xfrm>
-          <a:prstGeom prst="rect">
-            <a:avLst/>
-          </a:prstGeom>
-        </p:spPr>
-      </p:pic>
-      <p:pic>
-        <p:nvPicPr>
-          <p:cNvPr id="5" name="Picture 4">
-            <a:extLst>
-              <a:ext uri="{FF2B5EF4-FFF2-40B4-BE49-F238E27FC236}">
-                <a16:creationId xmlns:a16="http://schemas.microsoft.com/office/drawing/2014/main" xmlns="" id="{583AA5BF-CD78-422A-8E4E-E1445475F64E}"/>
-              </a:ext>
-            </a:extLst>
-          </p:cNvPr>
-          <p:cNvPicPr>
-            <a:picLocks noChangeAspect="1"/>
-          </p:cNvPicPr>
-          <p:nvPr/>
-        </p:nvPicPr>
-        <p:blipFill>
-          <a:blip r:embed="rId3">
-            <a:extLst>
-              <a:ext uri="{28A0092B-C50C-407E-A947-70E740481C1C}">
-                <a14:useLocalDpi xmlns:a14="http://schemas.microsoft.com/office/drawing/2010/main" val="0"/>
-              </a:ext>
-            </a:extLst>
-          </a:blip>
-          <a:stretch>
-            <a:fillRect/>
-          </a:stretch>
-        </p:blipFill>
-        <p:spPr>
-          <a:xfrm>
-            <a:off x="1224951" y="5328969"/>
-            <a:ext cx="10788709" cy="816131"/>
-          </a:xfrm>
-          <a:prstGeom prst="rect">
-            <a:avLst/>
-          </a:prstGeom>
-        </p:spPr>
-      </p:pic>
-    </p:spTree>
-    <p:extLst>
-      <p:ext uri="{BB962C8B-B14F-4D97-AF65-F5344CB8AC3E}">
-        <p14:creationId xmlns:p14="http://schemas.microsoft.com/office/powerpoint/2010/main" val="494654850"/>
-      </p:ext>
-    </p:extLst>
-  </p:cSld>
-  <p:clrMapOvr>
-    <a:masterClrMapping/>
-  </p:clrMapOvr>
-  <p:timing>
-    <p:tnLst>
-      <p:par>
-        <p:cTn id="1" dur="indefinite" restart="never" nodeType="tmRoot"/>
-      </p:par>
-    </p:tnLst>
-  </p:timing>
-</p:sld>
-</file>
-
-<file path=ppt/slides/slide11.xml><?xml version="1.0" encoding="utf-8"?>
-<p:sld xmlns:a="http://schemas.openxmlformats.org/drawingml/2006/main" xmlns:r="http://schemas.openxmlformats.org/officeDocument/2006/relationships" xmlns:p="http://schemas.openxmlformats.org/presentationml/2006/main">
-  <p:cSld>
-    <p:spTree>
-      <p:nvGrpSpPr>
-        <p:cNvPr id="1" name=""/>
-        <p:cNvGrpSpPr/>
-        <p:nvPr/>
-      </p:nvGrpSpPr>
-      <p:grpSpPr>
-        <a:xfrm>
-          <a:off x="0" y="0"/>
-          <a:ext cx="0" cy="0"/>
-          <a:chOff x="0" y="0"/>
-          <a:chExt cx="0" cy="0"/>
-        </a:xfrm>
-      </p:grpSpPr>
-      <p:sp>
-        <p:nvSpPr>
-          <p:cNvPr id="2" name="Title 1">
-            <a:extLst>
-              <a:ext uri="{FF2B5EF4-FFF2-40B4-BE49-F238E27FC236}">
-                <a16:creationId xmlns:a16="http://schemas.microsoft.com/office/drawing/2014/main" xmlns="" id="{9B68BBE6-144A-46E8-B81C-C05F3908A5C1}"/>
-              </a:ext>
-            </a:extLst>
-          </p:cNvPr>
-          <p:cNvSpPr>
-            <a:spLocks noGrp="1"/>
-          </p:cNvSpPr>
-          <p:nvPr>
             <p:ph type="title"/>
           </p:nvPr>
         </p:nvSpPr>
@@ -8540,7 +8365,7 @@
           <p:cNvPr id="8" name="Content Placeholder 7">
             <a:extLst>
               <a:ext uri="{FF2B5EF4-FFF2-40B4-BE49-F238E27FC236}">
-                <a16:creationId xmlns:a16="http://schemas.microsoft.com/office/drawing/2014/main" xmlns="" id="{58CC3E09-C7E0-4431-962F-96ACEF436A3A}"/>
+                <a16:creationId xmlns="" xmlns:a16="http://schemas.microsoft.com/office/drawing/2014/main" id="{58CC3E09-C7E0-4431-962F-96ACEF436A3A}"/>
               </a:ext>
             </a:extLst>
           </p:cNvPr>
@@ -8576,7 +8401,7 @@
           <p:cNvPr id="7" name="Slide Number Placeholder 6">
             <a:extLst>
               <a:ext uri="{FF2B5EF4-FFF2-40B4-BE49-F238E27FC236}">
-                <a16:creationId xmlns:a16="http://schemas.microsoft.com/office/drawing/2014/main" xmlns="" id="{07D37E21-9A35-45ED-9462-0A7781671E7E}"/>
+                <a16:creationId xmlns="" xmlns:a16="http://schemas.microsoft.com/office/drawing/2014/main" id="{07D37E21-9A35-45ED-9462-0A7781671E7E}"/>
               </a:ext>
             </a:extLst>
           </p:cNvPr>
@@ -8594,7 +8419,7 @@
           <a:p>
             <a:fld id="{7C933938-B8E8-47AB-B89E-92B6FF3A5B7F}" type="slidenum">
               <a:rPr lang="bg-BG" smtClean="0"/>
-              <a:t>11</a:t>
+              <a:t>10</a:t>
             </a:fld>
             <a:endParaRPr lang="bg-BG"/>
           </a:p>
@@ -8605,7 +8430,7 @@
           <p:cNvPr id="10" name="Picture 9" descr="Text&#10;&#10;Description automatically generated">
             <a:extLst>
               <a:ext uri="{FF2B5EF4-FFF2-40B4-BE49-F238E27FC236}">
-                <a16:creationId xmlns:a16="http://schemas.microsoft.com/office/drawing/2014/main" xmlns="" id="{F736F547-7888-4885-A52A-CDA469715FC2}"/>
+                <a16:creationId xmlns="" xmlns:a16="http://schemas.microsoft.com/office/drawing/2014/main" id="{F736F547-7888-4885-A52A-CDA469715FC2}"/>
               </a:ext>
             </a:extLst>
           </p:cNvPr>
@@ -8656,7 +8481,7 @@
 </p:sld>
 </file>
 
-<file path=ppt/slides/slide12.xml><?xml version="1.0" encoding="utf-8"?>
+<file path=ppt/slides/slide11.xml><?xml version="1.0" encoding="utf-8"?>
 <p:sld xmlns:a="http://schemas.openxmlformats.org/drawingml/2006/main" xmlns:r="http://schemas.openxmlformats.org/officeDocument/2006/relationships" xmlns:p="http://schemas.openxmlformats.org/presentationml/2006/main">
   <p:cSld>
     <p:spTree>
@@ -8678,7 +8503,7 @@
           <p:cNvPr id="2" name="Title 1">
             <a:extLst>
               <a:ext uri="{FF2B5EF4-FFF2-40B4-BE49-F238E27FC236}">
-                <a16:creationId xmlns:a16="http://schemas.microsoft.com/office/drawing/2014/main" xmlns="" id="{76030398-D54E-4871-8045-0DCCEE41ED2B}"/>
+                <a16:creationId xmlns="" xmlns:a16="http://schemas.microsoft.com/office/drawing/2014/main" id="{76030398-D54E-4871-8045-0DCCEE41ED2B}"/>
               </a:ext>
             </a:extLst>
           </p:cNvPr>
@@ -8728,7 +8553,7 @@
           <p:cNvPr id="3" name="Content Placeholder 2">
             <a:extLst>
               <a:ext uri="{FF2B5EF4-FFF2-40B4-BE49-F238E27FC236}">
-                <a16:creationId xmlns:a16="http://schemas.microsoft.com/office/drawing/2014/main" xmlns="" id="{2BE7DD5F-A313-4707-8EF0-CBC924218A0A}"/>
+                <a16:creationId xmlns="" xmlns:a16="http://schemas.microsoft.com/office/drawing/2014/main" id="{2BE7DD5F-A313-4707-8EF0-CBC924218A0A}"/>
               </a:ext>
             </a:extLst>
           </p:cNvPr>
@@ -8791,7 +8616,7 @@
           <p:cNvPr id="4" name="Slide Number Placeholder 3">
             <a:extLst>
               <a:ext uri="{FF2B5EF4-FFF2-40B4-BE49-F238E27FC236}">
-                <a16:creationId xmlns:a16="http://schemas.microsoft.com/office/drawing/2014/main" xmlns="" id="{6D22652E-F65C-4834-82D7-3C2DB7C73865}"/>
+                <a16:creationId xmlns="" xmlns:a16="http://schemas.microsoft.com/office/drawing/2014/main" id="{6D22652E-F65C-4834-82D7-3C2DB7C73865}"/>
               </a:ext>
             </a:extLst>
           </p:cNvPr>
@@ -8809,7 +8634,7 @@
           <a:p>
             <a:fld id="{7C933938-B8E8-47AB-B89E-92B6FF3A5B7F}" type="slidenum">
               <a:rPr lang="bg-BG" smtClean="0"/>
-              <a:t>12</a:t>
+              <a:t>11</a:t>
             </a:fld>
             <a:endParaRPr lang="bg-BG"/>
           </a:p>
@@ -8820,7 +8645,7 @@
           <p:cNvPr id="6" name="Picture 5" descr="Text&#10;&#10;Description automatically generated">
             <a:extLst>
               <a:ext uri="{FF2B5EF4-FFF2-40B4-BE49-F238E27FC236}">
-                <a16:creationId xmlns:a16="http://schemas.microsoft.com/office/drawing/2014/main" xmlns="" id="{FB2FF047-D71F-407A-B9B4-E791C57073E2}"/>
+                <a16:creationId xmlns="" xmlns:a16="http://schemas.microsoft.com/office/drawing/2014/main" id="{FB2FF047-D71F-407A-B9B4-E791C57073E2}"/>
               </a:ext>
             </a:extLst>
           </p:cNvPr>
@@ -8871,7 +8696,7 @@
 </p:sld>
 </file>
 
-<file path=ppt/slides/slide13.xml><?xml version="1.0" encoding="utf-8"?>
+<file path=ppt/slides/slide12.xml><?xml version="1.0" encoding="utf-8"?>
 <p:sld xmlns:a="http://schemas.openxmlformats.org/drawingml/2006/main" xmlns:r="http://schemas.openxmlformats.org/officeDocument/2006/relationships" xmlns:p="http://schemas.openxmlformats.org/presentationml/2006/main">
   <p:cSld>
     <p:spTree>
@@ -8893,7 +8718,7 @@
           <p:cNvPr id="3" name="Content Placeholder 2">
             <a:extLst>
               <a:ext uri="{FF2B5EF4-FFF2-40B4-BE49-F238E27FC236}">
-                <a16:creationId xmlns:a16="http://schemas.microsoft.com/office/drawing/2014/main" xmlns="" id="{CDD3CB23-5241-4F5A-8D7D-18DBD27DF8DF}"/>
+                <a16:creationId xmlns="" xmlns:a16="http://schemas.microsoft.com/office/drawing/2014/main" id="{CDD3CB23-5241-4F5A-8D7D-18DBD27DF8DF}"/>
               </a:ext>
             </a:extLst>
           </p:cNvPr>
@@ -8929,7 +8754,7 @@
           <p:cNvPr id="4" name="Slide Number Placeholder 3">
             <a:extLst>
               <a:ext uri="{FF2B5EF4-FFF2-40B4-BE49-F238E27FC236}">
-                <a16:creationId xmlns:a16="http://schemas.microsoft.com/office/drawing/2014/main" xmlns="" id="{77AF611F-B0B7-41FE-ABDE-E0FA0E8249E8}"/>
+                <a16:creationId xmlns="" xmlns:a16="http://schemas.microsoft.com/office/drawing/2014/main" id="{77AF611F-B0B7-41FE-ABDE-E0FA0E8249E8}"/>
               </a:ext>
             </a:extLst>
           </p:cNvPr>
@@ -8947,7 +8772,7 @@
           <a:p>
             <a:fld id="{7C933938-B8E8-47AB-B89E-92B6FF3A5B7F}" type="slidenum">
               <a:rPr lang="bg-BG" smtClean="0"/>
-              <a:t>13</a:t>
+              <a:t>12</a:t>
             </a:fld>
             <a:endParaRPr lang="bg-BG"/>
           </a:p>
@@ -8958,7 +8783,7 @@
           <p:cNvPr id="6" name="Picture 5" descr="Text&#10;&#10;Description automatically generated">
             <a:extLst>
               <a:ext uri="{FF2B5EF4-FFF2-40B4-BE49-F238E27FC236}">
-                <a16:creationId xmlns:a16="http://schemas.microsoft.com/office/drawing/2014/main" xmlns="" id="{5FB1E530-B223-47DC-9771-96B0B863D475}"/>
+                <a16:creationId xmlns="" xmlns:a16="http://schemas.microsoft.com/office/drawing/2014/main" id="{5FB1E530-B223-47DC-9771-96B0B863D475}"/>
               </a:ext>
             </a:extLst>
           </p:cNvPr>
@@ -8994,7 +8819,7 @@
           <p:cNvPr id="5" name="Content Placeholder 5" descr="Graphical user interface, text, application, email&#10;&#10;Description automatically generated">
             <a:extLst>
               <a:ext uri="{FF2B5EF4-FFF2-40B4-BE49-F238E27FC236}">
-                <a16:creationId xmlns:a16="http://schemas.microsoft.com/office/drawing/2014/main" xmlns="" id="{EDD3002A-7E3F-42EA-A73E-4B8DFBFA64F8}"/>
+                <a16:creationId xmlns="" xmlns:a16="http://schemas.microsoft.com/office/drawing/2014/main" id="{EDD3002A-7E3F-42EA-A73E-4B8DFBFA64F8}"/>
               </a:ext>
             </a:extLst>
           </p:cNvPr>
@@ -9045,7 +8870,7 @@
 </p:sld>
 </file>
 
-<file path=ppt/slides/slide14.xml><?xml version="1.0" encoding="utf-8"?>
+<file path=ppt/slides/slide13.xml><?xml version="1.0" encoding="utf-8"?>
 <p:sld xmlns:a="http://schemas.openxmlformats.org/drawingml/2006/main" xmlns:r="http://schemas.openxmlformats.org/officeDocument/2006/relationships" xmlns:p="http://schemas.openxmlformats.org/presentationml/2006/main">
   <p:cSld>
     <p:spTree>
@@ -9067,7 +8892,7 @@
           <p:cNvPr id="2" name="Title 1">
             <a:extLst>
               <a:ext uri="{FF2B5EF4-FFF2-40B4-BE49-F238E27FC236}">
-                <a16:creationId xmlns:a16="http://schemas.microsoft.com/office/drawing/2014/main" xmlns="" id="{6772CA98-22A9-4BD9-B62C-C9C2BE6D2ED3}"/>
+                <a16:creationId xmlns="" xmlns:a16="http://schemas.microsoft.com/office/drawing/2014/main" id="{6772CA98-22A9-4BD9-B62C-C9C2BE6D2ED3}"/>
               </a:ext>
             </a:extLst>
           </p:cNvPr>
@@ -9113,7 +8938,7 @@
           <p:cNvPr id="3" name="Content Placeholder 2">
             <a:extLst>
               <a:ext uri="{FF2B5EF4-FFF2-40B4-BE49-F238E27FC236}">
-                <a16:creationId xmlns:a16="http://schemas.microsoft.com/office/drawing/2014/main" xmlns="" id="{65E6E777-05B5-498F-8BC8-1779D2B8525F}"/>
+                <a16:creationId xmlns="" xmlns:a16="http://schemas.microsoft.com/office/drawing/2014/main" id="{65E6E777-05B5-498F-8BC8-1779D2B8525F}"/>
               </a:ext>
             </a:extLst>
           </p:cNvPr>
@@ -9191,7 +9016,7 @@
           <p:cNvPr id="4" name="Slide Number Placeholder 3">
             <a:extLst>
               <a:ext uri="{FF2B5EF4-FFF2-40B4-BE49-F238E27FC236}">
-                <a16:creationId xmlns:a16="http://schemas.microsoft.com/office/drawing/2014/main" xmlns="" id="{582F4382-418B-4426-A979-6432F8FAC0EA}"/>
+                <a16:creationId xmlns="" xmlns:a16="http://schemas.microsoft.com/office/drawing/2014/main" id="{582F4382-418B-4426-A979-6432F8FAC0EA}"/>
               </a:ext>
             </a:extLst>
           </p:cNvPr>
@@ -9209,7 +9034,7 @@
           <a:p>
             <a:fld id="{7C933938-B8E8-47AB-B89E-92B6FF3A5B7F}" type="slidenum">
               <a:rPr lang="bg-BG" smtClean="0"/>
-              <a:t>14</a:t>
+              <a:t>13</a:t>
             </a:fld>
             <a:endParaRPr lang="bg-BG"/>
           </a:p>
@@ -9220,7 +9045,7 @@
           <p:cNvPr id="6" name="Picture 5" descr="Text&#10;&#10;Description automatically generated">
             <a:extLst>
               <a:ext uri="{FF2B5EF4-FFF2-40B4-BE49-F238E27FC236}">
-                <a16:creationId xmlns:a16="http://schemas.microsoft.com/office/drawing/2014/main" xmlns="" id="{9A27D8C2-F398-465F-A87B-09037CC35F42}"/>
+                <a16:creationId xmlns="" xmlns:a16="http://schemas.microsoft.com/office/drawing/2014/main" id="{9A27D8C2-F398-465F-A87B-09037CC35F42}"/>
               </a:ext>
             </a:extLst>
           </p:cNvPr>
@@ -9256,7 +9081,7 @@
           <p:cNvPr id="8" name="Picture 7">
             <a:extLst>
               <a:ext uri="{FF2B5EF4-FFF2-40B4-BE49-F238E27FC236}">
-                <a16:creationId xmlns:a16="http://schemas.microsoft.com/office/drawing/2014/main" xmlns="" id="{97097DBF-EAA1-4084-938A-78D56A98D209}"/>
+                <a16:creationId xmlns="" xmlns:a16="http://schemas.microsoft.com/office/drawing/2014/main" id="{97097DBF-EAA1-4084-938A-78D56A98D209}"/>
               </a:ext>
             </a:extLst>
           </p:cNvPr>
@@ -9307,7 +9132,7 @@
 </p:sld>
 </file>
 
-<file path=ppt/slides/slide15.xml><?xml version="1.0" encoding="utf-8"?>
+<file path=ppt/slides/slide14.xml><?xml version="1.0" encoding="utf-8"?>
 <p:sld xmlns:a="http://schemas.openxmlformats.org/drawingml/2006/main" xmlns:r="http://schemas.openxmlformats.org/officeDocument/2006/relationships" xmlns:p="http://schemas.openxmlformats.org/presentationml/2006/main">
   <p:cSld>
     <p:spTree>
@@ -9329,7 +9154,7 @@
           <p:cNvPr id="2" name="Title 1">
             <a:extLst>
               <a:ext uri="{FF2B5EF4-FFF2-40B4-BE49-F238E27FC236}">
-                <a16:creationId xmlns:a16="http://schemas.microsoft.com/office/drawing/2014/main" xmlns="" id="{742F8884-B14E-4D75-8951-61D6F2D2652F}"/>
+                <a16:creationId xmlns="" xmlns:a16="http://schemas.microsoft.com/office/drawing/2014/main" id="{742F8884-B14E-4D75-8951-61D6F2D2652F}"/>
               </a:ext>
             </a:extLst>
           </p:cNvPr>
@@ -9426,7 +9251,7 @@
           <p:cNvPr id="4" name="Slide Number Placeholder 3">
             <a:extLst>
               <a:ext uri="{FF2B5EF4-FFF2-40B4-BE49-F238E27FC236}">
-                <a16:creationId xmlns:a16="http://schemas.microsoft.com/office/drawing/2014/main" xmlns="" id="{BF6073B5-A2E3-4AEB-8973-35D68610647A}"/>
+                <a16:creationId xmlns="" xmlns:a16="http://schemas.microsoft.com/office/drawing/2014/main" id="{BF6073B5-A2E3-4AEB-8973-35D68610647A}"/>
               </a:ext>
             </a:extLst>
           </p:cNvPr>
@@ -9444,7 +9269,7 @@
           <a:p>
             <a:fld id="{7C933938-B8E8-47AB-B89E-92B6FF3A5B7F}" type="slidenum">
               <a:rPr lang="bg-BG" smtClean="0"/>
-              <a:t>15</a:t>
+              <a:t>14</a:t>
             </a:fld>
             <a:endParaRPr lang="bg-BG"/>
           </a:p>
@@ -9474,7 +9299,7 @@
           <p:cNvPr id="7" name="Content Placeholder 5" descr="Text&#10;&#10;Description automatically generated">
             <a:extLst>
               <a:ext uri="{FF2B5EF4-FFF2-40B4-BE49-F238E27FC236}">
-                <a16:creationId xmlns:a16="http://schemas.microsoft.com/office/drawing/2014/main" xmlns="" id="{0647C2B6-C236-44AE-9321-4202EC4F59C4}"/>
+                <a16:creationId xmlns="" xmlns:a16="http://schemas.microsoft.com/office/drawing/2014/main" id="{0647C2B6-C236-44AE-9321-4202EC4F59C4}"/>
               </a:ext>
             </a:extLst>
           </p:cNvPr>
@@ -9525,7 +9350,7 @@
 </p:sld>
 </file>
 
-<file path=ppt/slides/slide16.xml><?xml version="1.0" encoding="utf-8"?>
+<file path=ppt/slides/slide15.xml><?xml version="1.0" encoding="utf-8"?>
 <p:sld xmlns:a="http://schemas.openxmlformats.org/drawingml/2006/main" xmlns:r="http://schemas.openxmlformats.org/officeDocument/2006/relationships" xmlns:p="http://schemas.openxmlformats.org/presentationml/2006/main">
   <p:cSld>
     <p:spTree>
@@ -9547,7 +9372,7 @@
           <p:cNvPr id="2" name="Title 1">
             <a:extLst>
               <a:ext uri="{FF2B5EF4-FFF2-40B4-BE49-F238E27FC236}">
-                <a16:creationId xmlns:a16="http://schemas.microsoft.com/office/drawing/2014/main" xmlns="" id="{E9A14C73-F7CC-46C6-AF0D-BB76A38B1118}"/>
+                <a16:creationId xmlns="" xmlns:a16="http://schemas.microsoft.com/office/drawing/2014/main" id="{E9A14C73-F7CC-46C6-AF0D-BB76A38B1118}"/>
               </a:ext>
             </a:extLst>
           </p:cNvPr>
@@ -9595,7 +9420,7 @@
           <p:cNvPr id="4" name="Slide Number Placeholder 3">
             <a:extLst>
               <a:ext uri="{FF2B5EF4-FFF2-40B4-BE49-F238E27FC236}">
-                <a16:creationId xmlns:a16="http://schemas.microsoft.com/office/drawing/2014/main" xmlns="" id="{9CB98D98-9A94-45AC-BC00-A9DBCFAC191A}"/>
+                <a16:creationId xmlns="" xmlns:a16="http://schemas.microsoft.com/office/drawing/2014/main" id="{9CB98D98-9A94-45AC-BC00-A9DBCFAC191A}"/>
               </a:ext>
             </a:extLst>
           </p:cNvPr>
@@ -9613,7 +9438,7 @@
           <a:p>
             <a:fld id="{7C933938-B8E8-47AB-B89E-92B6FF3A5B7F}" type="slidenum">
               <a:rPr lang="bg-BG" smtClean="0"/>
-              <a:t>16</a:t>
+              <a:t>15</a:t>
             </a:fld>
             <a:endParaRPr lang="bg-BG"/>
           </a:p>
@@ -9624,7 +9449,7 @@
           <p:cNvPr id="8" name="Picture 7" descr="Text&#10;&#10;Description automatically generated">
             <a:extLst>
               <a:ext uri="{FF2B5EF4-FFF2-40B4-BE49-F238E27FC236}">
-                <a16:creationId xmlns:a16="http://schemas.microsoft.com/office/drawing/2014/main" xmlns="" id="{B864631B-2FD9-4E4B-9547-571DA2DFF469}"/>
+                <a16:creationId xmlns="" xmlns:a16="http://schemas.microsoft.com/office/drawing/2014/main" id="{B864631B-2FD9-4E4B-9547-571DA2DFF469}"/>
               </a:ext>
             </a:extLst>
           </p:cNvPr>
@@ -9660,7 +9485,7 @@
           <p:cNvPr id="6" name="Picture 5" descr="Text&#10;&#10;Description automatically generated">
             <a:extLst>
               <a:ext uri="{FF2B5EF4-FFF2-40B4-BE49-F238E27FC236}">
-                <a16:creationId xmlns:a16="http://schemas.microsoft.com/office/drawing/2014/main" xmlns="" id="{1FC370E8-94B0-467D-AA14-3F4F3F11A4C4}"/>
+                <a16:creationId xmlns="" xmlns:a16="http://schemas.microsoft.com/office/drawing/2014/main" id="{1FC370E8-94B0-467D-AA14-3F4F3F11A4C4}"/>
               </a:ext>
             </a:extLst>
           </p:cNvPr>
@@ -9696,7 +9521,7 @@
           <p:cNvPr id="10" name="Picture 9" descr="Text&#10;&#10;Description automatically generated">
             <a:extLst>
               <a:ext uri="{FF2B5EF4-FFF2-40B4-BE49-F238E27FC236}">
-                <a16:creationId xmlns:a16="http://schemas.microsoft.com/office/drawing/2014/main" xmlns="" id="{2759962E-79F0-406D-B758-EFE505541D02}"/>
+                <a16:creationId xmlns="" xmlns:a16="http://schemas.microsoft.com/office/drawing/2014/main" id="{2759962E-79F0-406D-B758-EFE505541D02}"/>
               </a:ext>
             </a:extLst>
           </p:cNvPr>
@@ -9747,7 +9572,7 @@
 </p:sld>
 </file>
 
-<file path=ppt/slides/slide17.xml><?xml version="1.0" encoding="utf-8"?>
+<file path=ppt/slides/slide16.xml><?xml version="1.0" encoding="utf-8"?>
 <p:sld xmlns:a="http://schemas.openxmlformats.org/drawingml/2006/main" xmlns:r="http://schemas.openxmlformats.org/officeDocument/2006/relationships" xmlns:p="http://schemas.openxmlformats.org/presentationml/2006/main">
   <p:cSld>
     <p:spTree>
@@ -9769,7 +9594,7 @@
           <p:cNvPr id="2" name="Title 1">
             <a:extLst>
               <a:ext uri="{FF2B5EF4-FFF2-40B4-BE49-F238E27FC236}">
-                <a16:creationId xmlns:a16="http://schemas.microsoft.com/office/drawing/2014/main" xmlns="" id="{A67EEFED-806B-4C4E-8693-C51D33902B10}"/>
+                <a16:creationId xmlns="" xmlns:a16="http://schemas.microsoft.com/office/drawing/2014/main" id="{A67EEFED-806B-4C4E-8693-C51D33902B10}"/>
               </a:ext>
             </a:extLst>
           </p:cNvPr>
@@ -9806,7 +9631,7 @@
           <p:cNvPr id="6" name="Content Placeholder 5" descr="Diagram&#10;&#10;Description automatically generated">
             <a:extLst>
               <a:ext uri="{FF2B5EF4-FFF2-40B4-BE49-F238E27FC236}">
-                <a16:creationId xmlns:a16="http://schemas.microsoft.com/office/drawing/2014/main" xmlns="" id="{929A2E97-A759-4086-9272-202C76ED3753}"/>
+                <a16:creationId xmlns="" xmlns:a16="http://schemas.microsoft.com/office/drawing/2014/main" id="{929A2E97-A759-4086-9272-202C76ED3753}"/>
               </a:ext>
             </a:extLst>
           </p:cNvPr>
@@ -9841,7 +9666,223 @@
           <p:cNvPr id="4" name="Slide Number Placeholder 3">
             <a:extLst>
               <a:ext uri="{FF2B5EF4-FFF2-40B4-BE49-F238E27FC236}">
-                <a16:creationId xmlns:a16="http://schemas.microsoft.com/office/drawing/2014/main" xmlns="" id="{F138766B-9003-4A9F-9772-63A7E9235B60}"/>
+                <a16:creationId xmlns="" xmlns:a16="http://schemas.microsoft.com/office/drawing/2014/main" id="{F138766B-9003-4A9F-9772-63A7E9235B60}"/>
+              </a:ext>
+            </a:extLst>
+          </p:cNvPr>
+          <p:cNvSpPr>
+            <a:spLocks noGrp="1"/>
+          </p:cNvSpPr>
+          <p:nvPr>
+            <p:ph type="sldNum" sz="quarter" idx="12"/>
+          </p:nvPr>
+        </p:nvSpPr>
+        <p:spPr/>
+        <p:txBody>
+          <a:bodyPr/>
+          <a:lstStyle/>
+          <a:p>
+            <a:fld id="{7C933938-B8E8-47AB-B89E-92B6FF3A5B7F}" type="slidenum">
+              <a:rPr lang="bg-BG" smtClean="0"/>
+              <a:t>16</a:t>
+            </a:fld>
+            <a:endParaRPr lang="bg-BG"/>
+          </a:p>
+        </p:txBody>
+      </p:sp>
+    </p:spTree>
+    <p:extLst>
+      <p:ext uri="{BB962C8B-B14F-4D97-AF65-F5344CB8AC3E}">
+        <p14:creationId xmlns:p14="http://schemas.microsoft.com/office/powerpoint/2010/main" val="1320407975"/>
+      </p:ext>
+    </p:extLst>
+  </p:cSld>
+  <p:clrMapOvr>
+    <a:masterClrMapping/>
+  </p:clrMapOvr>
+  <p:timing>
+    <p:tnLst>
+      <p:par>
+        <p:cTn id="1" dur="indefinite" restart="never" nodeType="tmRoot"/>
+      </p:par>
+    </p:tnLst>
+  </p:timing>
+</p:sld>
+</file>
+
+<file path=ppt/slides/slide17.xml><?xml version="1.0" encoding="utf-8"?>
+<p:sld xmlns:a="http://schemas.openxmlformats.org/drawingml/2006/main" xmlns:r="http://schemas.openxmlformats.org/officeDocument/2006/relationships" xmlns:p="http://schemas.openxmlformats.org/presentationml/2006/main">
+  <p:cSld>
+    <p:spTree>
+      <p:nvGrpSpPr>
+        <p:cNvPr id="1" name=""/>
+        <p:cNvGrpSpPr/>
+        <p:nvPr/>
+      </p:nvGrpSpPr>
+      <p:grpSpPr>
+        <a:xfrm>
+          <a:off x="0" y="0"/>
+          <a:ext cx="0" cy="0"/>
+          <a:chOff x="0" y="0"/>
+          <a:chExt cx="0" cy="0"/>
+        </a:xfrm>
+      </p:grpSpPr>
+      <p:sp>
+        <p:nvSpPr>
+          <p:cNvPr id="2" name="Title 1">
+            <a:extLst>
+              <a:ext uri="{FF2B5EF4-FFF2-40B4-BE49-F238E27FC236}">
+                <a16:creationId xmlns="" xmlns:a16="http://schemas.microsoft.com/office/drawing/2014/main" id="{B980F6ED-F39E-40C1-AEBE-BD3C9CD0E5E5}"/>
+              </a:ext>
+            </a:extLst>
+          </p:cNvPr>
+          <p:cNvSpPr>
+            <a:spLocks noGrp="1"/>
+          </p:cNvSpPr>
+          <p:nvPr>
+            <p:ph type="title"/>
+          </p:nvPr>
+        </p:nvSpPr>
+        <p:spPr>
+          <a:xfrm>
+            <a:off x="1921121" y="228600"/>
+            <a:ext cx="8911687" cy="1280890"/>
+          </a:xfrm>
+        </p:spPr>
+        <p:txBody>
+          <a:bodyPr/>
+          <a:lstStyle/>
+          <a:p>
+            <a:r>
+              <a:rPr lang="bg-BG" dirty="0"/>
+              <a:t>Изводи и бъдеща оптимизация</a:t>
+            </a:r>
+            <a:endParaRPr lang="en-US" dirty="0"/>
+          </a:p>
+        </p:txBody>
+      </p:sp>
+      <p:sp>
+        <p:nvSpPr>
+          <p:cNvPr id="3" name="Content Placeholder 2">
+            <a:extLst>
+              <a:ext uri="{FF2B5EF4-FFF2-40B4-BE49-F238E27FC236}">
+                <a16:creationId xmlns="" xmlns:a16="http://schemas.microsoft.com/office/drawing/2014/main" id="{048F9368-F6BA-46FE-A7AE-226A2923907B}"/>
+              </a:ext>
+            </a:extLst>
+          </p:cNvPr>
+          <p:cNvSpPr>
+            <a:spLocks noGrp="1"/>
+          </p:cNvSpPr>
+          <p:nvPr>
+            <p:ph idx="1"/>
+          </p:nvPr>
+        </p:nvSpPr>
+        <p:spPr>
+          <a:xfrm>
+            <a:off x="2589212" y="1152907"/>
+            <a:ext cx="8915400" cy="5476493"/>
+          </a:xfrm>
+        </p:spPr>
+        <p:txBody>
+          <a:bodyPr>
+            <a:normAutofit lnSpcReduction="10000"/>
+          </a:bodyPr>
+          <a:lstStyle/>
+          <a:p>
+            <a:r>
+              <a:rPr lang="bg-BG" sz="2400" b="1" dirty="0"/>
+              <a:t>Зададените технологии са използвани за програмната реализация</a:t>
+            </a:r>
+          </a:p>
+          <a:p>
+            <a:r>
+              <a:rPr lang="bg-BG" sz="2400" b="1" dirty="0"/>
+              <a:t>Подобренията на дипломният проект са спазени</a:t>
+            </a:r>
+          </a:p>
+          <a:p>
+            <a:pPr lvl="1"/>
+            <a:r>
+              <a:rPr lang="bg-BG" sz="2200" dirty="0"/>
+              <a:t>Свободна резервация/отмяна</a:t>
+            </a:r>
+          </a:p>
+          <a:p>
+            <a:pPr lvl="1"/>
+            <a:r>
+              <a:rPr lang="bg-BG" sz="2200" dirty="0"/>
+              <a:t>Обхват на игрища в цялата страна</a:t>
+            </a:r>
+          </a:p>
+          <a:p>
+            <a:pPr lvl="1"/>
+            <a:r>
+              <a:rPr lang="bg-BG" sz="2200" dirty="0"/>
+              <a:t>Свободен преглед на спортни игрища</a:t>
+            </a:r>
+          </a:p>
+          <a:p>
+            <a:pPr lvl="1"/>
+            <a:r>
+              <a:rPr lang="bg-BG" sz="2200" dirty="0"/>
+              <a:t>Достъп до история на резервациите</a:t>
+            </a:r>
+          </a:p>
+          <a:p>
+            <a:endParaRPr lang="bg-BG" sz="2400" dirty="0"/>
+          </a:p>
+          <a:p>
+            <a:r>
+              <a:rPr lang="bg-BG" sz="2400" b="1" dirty="0"/>
+              <a:t>Варианти за оптимизация</a:t>
+            </a:r>
+          </a:p>
+          <a:p>
+            <a:pPr lvl="1"/>
+            <a:r>
+              <a:rPr lang="bg-BG" sz="2200" dirty="0"/>
+              <a:t>Фронт-енд интерфейс с модул за график</a:t>
+            </a:r>
+          </a:p>
+          <a:p>
+            <a:pPr lvl="1"/>
+            <a:r>
+              <a:rPr lang="bg-BG" sz="2200" dirty="0"/>
+              <a:t>Интеграция на „</a:t>
+            </a:r>
+            <a:r>
+              <a:rPr lang="en-US" sz="2200" dirty="0"/>
+              <a:t>Google maps</a:t>
+            </a:r>
+            <a:r>
+              <a:rPr lang="bg-BG" sz="2200" dirty="0"/>
+              <a:t>“</a:t>
+            </a:r>
+            <a:endParaRPr lang="en-US" sz="2200" dirty="0"/>
+          </a:p>
+          <a:p>
+            <a:pPr lvl="1"/>
+            <a:r>
+              <a:rPr lang="bg-BG" sz="2200" dirty="0"/>
+              <a:t>Чат платформа</a:t>
+            </a:r>
+          </a:p>
+          <a:p>
+            <a:pPr lvl="1"/>
+            <a:endParaRPr lang="bg-BG" sz="2200" dirty="0"/>
+          </a:p>
+          <a:p>
+            <a:pPr lvl="1"/>
+            <a:endParaRPr lang="en-US" sz="2200" dirty="0"/>
+          </a:p>
+        </p:txBody>
+      </p:sp>
+      <p:sp>
+        <p:nvSpPr>
+          <p:cNvPr id="4" name="Slide Number Placeholder 3">
+            <a:extLst>
+              <a:ext uri="{FF2B5EF4-FFF2-40B4-BE49-F238E27FC236}">
+                <a16:creationId xmlns="" xmlns:a16="http://schemas.microsoft.com/office/drawing/2014/main" id="{1908C742-707C-480A-8FA5-74CDBBCBBFDF}"/>
               </a:ext>
             </a:extLst>
           </p:cNvPr>
@@ -9868,7 +9909,7 @@
     </p:spTree>
     <p:extLst>
       <p:ext uri="{BB962C8B-B14F-4D97-AF65-F5344CB8AC3E}">
-        <p14:creationId xmlns:p14="http://schemas.microsoft.com/office/powerpoint/2010/main" val="1320407975"/>
+        <p14:creationId xmlns:p14="http://schemas.microsoft.com/office/powerpoint/2010/main" val="3974316751"/>
       </p:ext>
     </p:extLst>
   </p:cSld>
@@ -9907,223 +9948,7 @@
           <p:cNvPr id="2" name="Title 1">
             <a:extLst>
               <a:ext uri="{FF2B5EF4-FFF2-40B4-BE49-F238E27FC236}">
-                <a16:creationId xmlns:a16="http://schemas.microsoft.com/office/drawing/2014/main" xmlns="" id="{B980F6ED-F39E-40C1-AEBE-BD3C9CD0E5E5}"/>
-              </a:ext>
-            </a:extLst>
-          </p:cNvPr>
-          <p:cNvSpPr>
-            <a:spLocks noGrp="1"/>
-          </p:cNvSpPr>
-          <p:nvPr>
-            <p:ph type="title"/>
-          </p:nvPr>
-        </p:nvSpPr>
-        <p:spPr>
-          <a:xfrm>
-            <a:off x="1921121" y="228600"/>
-            <a:ext cx="8911687" cy="1280890"/>
-          </a:xfrm>
-        </p:spPr>
-        <p:txBody>
-          <a:bodyPr/>
-          <a:lstStyle/>
-          <a:p>
-            <a:r>
-              <a:rPr lang="bg-BG" dirty="0"/>
-              <a:t>Изводи и бъдеща оптимизация</a:t>
-            </a:r>
-            <a:endParaRPr lang="en-US" dirty="0"/>
-          </a:p>
-        </p:txBody>
-      </p:sp>
-      <p:sp>
-        <p:nvSpPr>
-          <p:cNvPr id="3" name="Content Placeholder 2">
-            <a:extLst>
-              <a:ext uri="{FF2B5EF4-FFF2-40B4-BE49-F238E27FC236}">
-                <a16:creationId xmlns:a16="http://schemas.microsoft.com/office/drawing/2014/main" xmlns="" id="{048F9368-F6BA-46FE-A7AE-226A2923907B}"/>
-              </a:ext>
-            </a:extLst>
-          </p:cNvPr>
-          <p:cNvSpPr>
-            <a:spLocks noGrp="1"/>
-          </p:cNvSpPr>
-          <p:nvPr>
-            <p:ph idx="1"/>
-          </p:nvPr>
-        </p:nvSpPr>
-        <p:spPr>
-          <a:xfrm>
-            <a:off x="2589212" y="1152907"/>
-            <a:ext cx="8915400" cy="5476493"/>
-          </a:xfrm>
-        </p:spPr>
-        <p:txBody>
-          <a:bodyPr>
-            <a:normAutofit lnSpcReduction="10000"/>
-          </a:bodyPr>
-          <a:lstStyle/>
-          <a:p>
-            <a:r>
-              <a:rPr lang="bg-BG" sz="2400" b="1" dirty="0"/>
-              <a:t>Зададените технологии са използвани за програмната реализация</a:t>
-            </a:r>
-          </a:p>
-          <a:p>
-            <a:r>
-              <a:rPr lang="bg-BG" sz="2400" b="1" dirty="0"/>
-              <a:t>Подобренията на дипломният проект са спазени</a:t>
-            </a:r>
-          </a:p>
-          <a:p>
-            <a:pPr lvl="1"/>
-            <a:r>
-              <a:rPr lang="bg-BG" sz="2200" dirty="0"/>
-              <a:t>Свободна резервация/отмяна</a:t>
-            </a:r>
-          </a:p>
-          <a:p>
-            <a:pPr lvl="1"/>
-            <a:r>
-              <a:rPr lang="bg-BG" sz="2200" dirty="0"/>
-              <a:t>Обхват на игрища в цялата страна</a:t>
-            </a:r>
-          </a:p>
-          <a:p>
-            <a:pPr lvl="1"/>
-            <a:r>
-              <a:rPr lang="bg-BG" sz="2200" dirty="0"/>
-              <a:t>Свободен преглед на спортни игрища</a:t>
-            </a:r>
-          </a:p>
-          <a:p>
-            <a:pPr lvl="1"/>
-            <a:r>
-              <a:rPr lang="bg-BG" sz="2200" dirty="0"/>
-              <a:t>Достъп до история на резервациите</a:t>
-            </a:r>
-          </a:p>
-          <a:p>
-            <a:endParaRPr lang="bg-BG" sz="2400" dirty="0"/>
-          </a:p>
-          <a:p>
-            <a:r>
-              <a:rPr lang="bg-BG" sz="2400" b="1" dirty="0"/>
-              <a:t>Варианти за оптимизация</a:t>
-            </a:r>
-          </a:p>
-          <a:p>
-            <a:pPr lvl="1"/>
-            <a:r>
-              <a:rPr lang="bg-BG" sz="2200" dirty="0"/>
-              <a:t>Фронт-енд интерфейс с модул за график</a:t>
-            </a:r>
-          </a:p>
-          <a:p>
-            <a:pPr lvl="1"/>
-            <a:r>
-              <a:rPr lang="bg-BG" sz="2200" dirty="0"/>
-              <a:t>Интеграция на „</a:t>
-            </a:r>
-            <a:r>
-              <a:rPr lang="en-US" sz="2200" dirty="0"/>
-              <a:t>Google maps</a:t>
-            </a:r>
-            <a:r>
-              <a:rPr lang="bg-BG" sz="2200" dirty="0"/>
-              <a:t>“</a:t>
-            </a:r>
-            <a:endParaRPr lang="en-US" sz="2200" dirty="0"/>
-          </a:p>
-          <a:p>
-            <a:pPr lvl="1"/>
-            <a:r>
-              <a:rPr lang="bg-BG" sz="2200" dirty="0"/>
-              <a:t>Чат платформа</a:t>
-            </a:r>
-          </a:p>
-          <a:p>
-            <a:pPr lvl="1"/>
-            <a:endParaRPr lang="bg-BG" sz="2200" dirty="0"/>
-          </a:p>
-          <a:p>
-            <a:pPr lvl="1"/>
-            <a:endParaRPr lang="en-US" sz="2200" dirty="0"/>
-          </a:p>
-        </p:txBody>
-      </p:sp>
-      <p:sp>
-        <p:nvSpPr>
-          <p:cNvPr id="4" name="Slide Number Placeholder 3">
-            <a:extLst>
-              <a:ext uri="{FF2B5EF4-FFF2-40B4-BE49-F238E27FC236}">
-                <a16:creationId xmlns:a16="http://schemas.microsoft.com/office/drawing/2014/main" xmlns="" id="{1908C742-707C-480A-8FA5-74CDBBCBBFDF}"/>
-              </a:ext>
-            </a:extLst>
-          </p:cNvPr>
-          <p:cNvSpPr>
-            <a:spLocks noGrp="1"/>
-          </p:cNvSpPr>
-          <p:nvPr>
-            <p:ph type="sldNum" sz="quarter" idx="12"/>
-          </p:nvPr>
-        </p:nvSpPr>
-        <p:spPr/>
-        <p:txBody>
-          <a:bodyPr/>
-          <a:lstStyle/>
-          <a:p>
-            <a:fld id="{7C933938-B8E8-47AB-B89E-92B6FF3A5B7F}" type="slidenum">
-              <a:rPr lang="bg-BG" smtClean="0"/>
-              <a:t>18</a:t>
-            </a:fld>
-            <a:endParaRPr lang="bg-BG"/>
-          </a:p>
-        </p:txBody>
-      </p:sp>
-    </p:spTree>
-    <p:extLst>
-      <p:ext uri="{BB962C8B-B14F-4D97-AF65-F5344CB8AC3E}">
-        <p14:creationId xmlns:p14="http://schemas.microsoft.com/office/powerpoint/2010/main" val="3974316751"/>
-      </p:ext>
-    </p:extLst>
-  </p:cSld>
-  <p:clrMapOvr>
-    <a:masterClrMapping/>
-  </p:clrMapOvr>
-  <p:timing>
-    <p:tnLst>
-      <p:par>
-        <p:cTn id="1" dur="indefinite" restart="never" nodeType="tmRoot"/>
-      </p:par>
-    </p:tnLst>
-  </p:timing>
-</p:sld>
-</file>
-
-<file path=ppt/slides/slide19.xml><?xml version="1.0" encoding="utf-8"?>
-<p:sld xmlns:a="http://schemas.openxmlformats.org/drawingml/2006/main" xmlns:r="http://schemas.openxmlformats.org/officeDocument/2006/relationships" xmlns:p="http://schemas.openxmlformats.org/presentationml/2006/main">
-  <p:cSld>
-    <p:spTree>
-      <p:nvGrpSpPr>
-        <p:cNvPr id="1" name=""/>
-        <p:cNvGrpSpPr/>
-        <p:nvPr/>
-      </p:nvGrpSpPr>
-      <p:grpSpPr>
-        <a:xfrm>
-          <a:off x="0" y="0"/>
-          <a:ext cx="0" cy="0"/>
-          <a:chOff x="0" y="0"/>
-          <a:chExt cx="0" cy="0"/>
-        </a:xfrm>
-      </p:grpSpPr>
-      <p:sp>
-        <p:nvSpPr>
-          <p:cNvPr id="2" name="Title 1">
-            <a:extLst>
-              <a:ext uri="{FF2B5EF4-FFF2-40B4-BE49-F238E27FC236}">
-                <a16:creationId xmlns:a16="http://schemas.microsoft.com/office/drawing/2014/main" xmlns="" id="{779C03E2-5FA7-43C2-A26B-6B4FAC93190C}"/>
+                <a16:creationId xmlns="" xmlns:a16="http://schemas.microsoft.com/office/drawing/2014/main" id="{779C03E2-5FA7-43C2-A26B-6B4FAC93190C}"/>
               </a:ext>
             </a:extLst>
           </p:cNvPr>
@@ -10157,7 +9982,7 @@
           <p:cNvPr id="3" name="Subtitle 2">
             <a:extLst>
               <a:ext uri="{FF2B5EF4-FFF2-40B4-BE49-F238E27FC236}">
-                <a16:creationId xmlns:a16="http://schemas.microsoft.com/office/drawing/2014/main" xmlns="" id="{13831F3A-D8A9-432F-9C9C-477BF0B5F69F}"/>
+                <a16:creationId xmlns="" xmlns:a16="http://schemas.microsoft.com/office/drawing/2014/main" id="{13831F3A-D8A9-432F-9C9C-477BF0B5F69F}"/>
               </a:ext>
             </a:extLst>
           </p:cNvPr>
@@ -10182,7 +10007,7 @@
           <p:cNvPr id="4" name="Slide Number Placeholder 3">
             <a:extLst>
               <a:ext uri="{FF2B5EF4-FFF2-40B4-BE49-F238E27FC236}">
-                <a16:creationId xmlns:a16="http://schemas.microsoft.com/office/drawing/2014/main" xmlns="" id="{D25B268A-FE76-4A38-99E5-475B5278DFC5}"/>
+                <a16:creationId xmlns="" xmlns:a16="http://schemas.microsoft.com/office/drawing/2014/main" id="{D25B268A-FE76-4A38-99E5-475B5278DFC5}"/>
               </a:ext>
             </a:extLst>
           </p:cNvPr>
@@ -10200,7 +10025,7 @@
           <a:p>
             <a:fld id="{7C933938-B8E8-47AB-B89E-92B6FF3A5B7F}" type="slidenum">
               <a:rPr lang="bg-BG" smtClean="0"/>
-              <a:t>19</a:t>
+              <a:t>18</a:t>
             </a:fld>
             <a:endParaRPr lang="bg-BG"/>
           </a:p>
@@ -10410,7 +10235,7 @@
           <p:cNvPr id="2" name="Title 1">
             <a:extLst>
               <a:ext uri="{FF2B5EF4-FFF2-40B4-BE49-F238E27FC236}">
-                <a16:creationId xmlns:a16="http://schemas.microsoft.com/office/drawing/2014/main" xmlns="" id="{B408E0A3-B784-44CA-8041-FA768EA360FF}"/>
+                <a16:creationId xmlns="" xmlns:a16="http://schemas.microsoft.com/office/drawing/2014/main" id="{B408E0A3-B784-44CA-8041-FA768EA360FF}"/>
               </a:ext>
             </a:extLst>
           </p:cNvPr>
@@ -10444,7 +10269,7 @@
           <p:cNvPr id="6" name="Content Placeholder 5" descr="Diagram&#10;&#10;Description automatically generated">
             <a:extLst>
               <a:ext uri="{FF2B5EF4-FFF2-40B4-BE49-F238E27FC236}">
-                <a16:creationId xmlns:a16="http://schemas.microsoft.com/office/drawing/2014/main" xmlns="" id="{F820F938-F9B5-48E5-B2EB-5312B40595FA}"/>
+                <a16:creationId xmlns="" xmlns:a16="http://schemas.microsoft.com/office/drawing/2014/main" id="{F820F938-F9B5-48E5-B2EB-5312B40595FA}"/>
               </a:ext>
             </a:extLst>
           </p:cNvPr>
@@ -10479,7 +10304,7 @@
           <p:cNvPr id="4" name="Slide Number Placeholder 3">
             <a:extLst>
               <a:ext uri="{FF2B5EF4-FFF2-40B4-BE49-F238E27FC236}">
-                <a16:creationId xmlns:a16="http://schemas.microsoft.com/office/drawing/2014/main" xmlns="" id="{8B68E8C7-8E4D-4540-AAB1-42306B3846C6}"/>
+                <a16:creationId xmlns="" xmlns:a16="http://schemas.microsoft.com/office/drawing/2014/main" id="{8B68E8C7-8E4D-4540-AAB1-42306B3846C6}"/>
               </a:ext>
             </a:extLst>
           </p:cNvPr>
@@ -10526,14 +10351,6 @@
 <file path=ppt/slides/slide4.xml><?xml version="1.0" encoding="utf-8"?>
 <p:sld xmlns:a="http://schemas.openxmlformats.org/drawingml/2006/main" xmlns:r="http://schemas.openxmlformats.org/officeDocument/2006/relationships" xmlns:p="http://schemas.openxmlformats.org/presentationml/2006/main">
   <p:cSld>
-    <p:bg>
-      <p:bgPr>
-        <a:solidFill>
-          <a:schemeClr val="bg2"/>
-        </a:solidFill>
-        <a:effectLst/>
-      </p:bgPr>
-    </p:bg>
     <p:spTree>
       <p:nvGrpSpPr>
         <p:cNvPr id="1" name=""/>
@@ -10548,72 +10365,41 @@
           <a:chExt cx="0" cy="0"/>
         </a:xfrm>
       </p:grpSpPr>
-      <p:sp useBgFill="1">
-        <p:nvSpPr>
-          <p:cNvPr id="9" name="Rectangle 8">
+      <p:sp>
+        <p:nvSpPr>
+          <p:cNvPr id="2" name="Title 1">
             <a:extLst>
               <a:ext uri="{FF2B5EF4-FFF2-40B4-BE49-F238E27FC236}">
-                <a16:creationId xmlns:a16="http://schemas.microsoft.com/office/drawing/2014/main" xmlns="" id="{CD306B45-25EE-434D-ABA9-A27B79320CFF}"/>
-              </a:ext>
-              <a:ext uri="{C183D7F6-B498-43B3-948B-1728B52AA6E4}">
-                <adec:decorative xmlns:adec="http://schemas.microsoft.com/office/drawing/2017/decorative" xmlns="" val="1"/>
+                <a16:creationId xmlns="" xmlns:a16="http://schemas.microsoft.com/office/drawing/2014/main" id="{C3E4A3CA-A45D-4274-BC4F-ED9987452F2E}"/>
               </a:ext>
             </a:extLst>
           </p:cNvPr>
           <p:cNvSpPr>
-            <a:spLocks noGrp="1" noRot="1" noChangeAspect="1" noMove="1" noResize="1" noEditPoints="1" noAdjustHandles="1" noChangeArrowheads="1" noChangeShapeType="1" noTextEdit="1"/>
-          </p:cNvSpPr>
-          <p:nvPr>
-            <p:extLst>
-              <p:ext uri="{386F3935-93C4-4BCD-93E2-E3B085C9AB24}">
-                <p16:designElem xmlns:p16="http://schemas.microsoft.com/office/powerpoint/2015/main" xmlns="" val="1"/>
-              </p:ext>
-            </p:extLst>
-          </p:nvPr>
-        </p:nvSpPr>
-        <p:spPr>
-          <a:xfrm>
-            <a:off x="2" y="0"/>
-            <a:ext cx="12191998" cy="6858000"/>
-          </a:xfrm>
-          <a:prstGeom prst="rect">
-            <a:avLst/>
-          </a:prstGeom>
-          <a:ln>
-            <a:noFill/>
-          </a:ln>
-        </p:spPr>
-        <p:style>
-          <a:lnRef idx="2">
-            <a:schemeClr val="accent1">
-              <a:shade val="50000"/>
-            </a:schemeClr>
-          </a:lnRef>
-          <a:fillRef idx="1">
-            <a:schemeClr val="accent1"/>
-          </a:fillRef>
-          <a:effectRef idx="0">
-            <a:schemeClr val="accent1"/>
-          </a:effectRef>
-          <a:fontRef idx="minor">
-            <a:schemeClr val="lt1"/>
-          </a:fontRef>
-        </p:style>
-        <p:txBody>
-          <a:bodyPr rtlCol="0" anchor="ctr"/>
+            <a:spLocks noGrp="1"/>
+          </p:cNvSpPr>
+          <p:nvPr>
+            <p:ph type="title"/>
+          </p:nvPr>
+        </p:nvSpPr>
+        <p:spPr/>
+        <p:txBody>
+          <a:bodyPr/>
           <a:lstStyle/>
           <a:p>
-            <a:pPr algn="ctr"/>
-            <a:endParaRPr lang="en-US"/>
-          </a:p>
-        </p:txBody>
-      </p:sp>
-      <p:sp>
-        <p:nvSpPr>
-          <p:cNvPr id="2" name="Title 1">
+            <a:r>
+              <a:rPr lang="bg-BG" dirty="0"/>
+              <a:t>Компоненти на програмната реализация</a:t>
+            </a:r>
+            <a:endParaRPr lang="en-US" dirty="0"/>
+          </a:p>
+        </p:txBody>
+      </p:sp>
+      <p:sp>
+        <p:nvSpPr>
+          <p:cNvPr id="3" name="Content Placeholder 2">
             <a:extLst>
               <a:ext uri="{FF2B5EF4-FFF2-40B4-BE49-F238E27FC236}">
-                <a16:creationId xmlns:a16="http://schemas.microsoft.com/office/drawing/2014/main" xmlns="" id="{F008E7E5-FCC6-476E-95BA-0E5DEE55AEC8}"/>
+                <a16:creationId xmlns="" xmlns:a16="http://schemas.microsoft.com/office/drawing/2014/main" id="{E058B035-56E1-4E2E-938D-85F47CF9B782}"/>
               </a:ext>
             </a:extLst>
           </p:cNvPr>
@@ -10621,1272 +10407,122 @@
             <a:spLocks noGrp="1"/>
           </p:cNvSpPr>
           <p:nvPr>
-            <p:ph type="title"/>
+            <p:ph idx="1"/>
           </p:nvPr>
         </p:nvSpPr>
         <p:spPr>
           <a:xfrm>
-            <a:off x="1046019" y="942108"/>
-            <a:ext cx="3256550" cy="4969113"/>
+            <a:off x="2589212" y="2456268"/>
+            <a:ext cx="8915400" cy="3777622"/>
           </a:xfrm>
         </p:spPr>
         <p:txBody>
-          <a:bodyPr anchor="ctr">
-            <a:normAutofit/>
+          <a:bodyPr>
+            <a:normAutofit lnSpcReduction="10000"/>
           </a:bodyPr>
           <a:lstStyle/>
           <a:p>
             <a:r>
-              <a:rPr lang="bg-BG" dirty="0">
-                <a:solidFill>
-                  <a:schemeClr val="tx2">
-                    <a:lumMod val="75000"/>
-                  </a:schemeClr>
-                </a:solidFill>
-              </a:rPr>
-              <a:t>Операции, извършвани от анонимен потребител</a:t>
-            </a:r>
-            <a:endParaRPr lang="en-US" dirty="0">
-              <a:solidFill>
-                <a:schemeClr val="tx2">
-                  <a:lumMod val="75000"/>
-                </a:schemeClr>
-              </a:solidFill>
-            </a:endParaRPr>
-          </a:p>
-        </p:txBody>
-      </p:sp>
-      <p:sp>
-        <p:nvSpPr>
-          <p:cNvPr id="11" name="Rectangle 10">
+              <a:rPr lang="bg-BG" sz="2400" dirty="0"/>
+              <a:t>Обекти – </a:t>
+            </a:r>
+            <a:r>
+              <a:rPr lang="en-US" sz="2400" dirty="0"/>
+              <a:t>Entities</a:t>
+            </a:r>
+            <a:br>
+              <a:rPr lang="en-US" sz="2400" dirty="0"/>
+            </a:br>
+            <a:endParaRPr lang="en-US" sz="2400" dirty="0"/>
+          </a:p>
+          <a:p>
+            <a:r>
+              <a:rPr lang="bg-BG" sz="2400" dirty="0"/>
+              <a:t>Услуги – </a:t>
+            </a:r>
+            <a:r>
+              <a:rPr lang="en-US" sz="2400" dirty="0"/>
+              <a:t>Services</a:t>
+            </a:r>
+            <a:br>
+              <a:rPr lang="en-US" sz="2400" dirty="0"/>
+            </a:br>
+            <a:endParaRPr lang="en-US" sz="2400" dirty="0"/>
+          </a:p>
+          <a:p>
+            <a:r>
+              <a:rPr lang="bg-BG" sz="2400" dirty="0"/>
+              <a:t>Управление – </a:t>
+            </a:r>
+            <a:r>
+              <a:rPr lang="en-US" sz="2400" dirty="0"/>
+              <a:t>Controllers</a:t>
+            </a:r>
+            <a:br>
+              <a:rPr lang="en-US" sz="2400" dirty="0"/>
+            </a:br>
+            <a:endParaRPr lang="en-US" sz="2400" dirty="0"/>
+          </a:p>
+          <a:p>
+            <a:r>
+              <a:rPr lang="bg-BG" sz="2400" dirty="0"/>
+              <a:t>Хранилища – </a:t>
+            </a:r>
+            <a:r>
+              <a:rPr lang="en-US" sz="2400" dirty="0"/>
+              <a:t>Repositories</a:t>
+            </a:r>
+            <a:br>
+              <a:rPr lang="en-US" sz="2400" dirty="0"/>
+            </a:br>
+            <a:endParaRPr lang="en-US" sz="2400" dirty="0"/>
+          </a:p>
+          <a:p>
+            <a:r>
+              <a:rPr lang="bg-BG" sz="2400" dirty="0"/>
+              <a:t>Сигурност и нейната конфигурация - </a:t>
+            </a:r>
+            <a:r>
+              <a:rPr lang="en-US" sz="2400" dirty="0" err="1"/>
+              <a:t>SecurityConfig</a:t>
+            </a:r>
+            <a:endParaRPr lang="en-US" sz="2400" dirty="0"/>
+          </a:p>
+        </p:txBody>
+      </p:sp>
+      <p:sp>
+        <p:nvSpPr>
+          <p:cNvPr id="4" name="Slide Number Placeholder 3">
             <a:extLst>
               <a:ext uri="{FF2B5EF4-FFF2-40B4-BE49-F238E27FC236}">
-                <a16:creationId xmlns:a16="http://schemas.microsoft.com/office/drawing/2014/main" xmlns="" id="{0A42F85E-4939-431E-8B4A-EC07C8E0AB65}"/>
-              </a:ext>
-              <a:ext uri="{C183D7F6-B498-43B3-948B-1728B52AA6E4}">
-                <adec:decorative xmlns:adec="http://schemas.microsoft.com/office/drawing/2017/decorative" xmlns="" val="1"/>
+                <a16:creationId xmlns="" xmlns:a16="http://schemas.microsoft.com/office/drawing/2014/main" id="{09156448-26D9-4098-9BAD-2BB86A3CAE73}"/>
               </a:ext>
             </a:extLst>
           </p:cNvPr>
           <p:cNvSpPr>
-            <a:spLocks noGrp="1" noRot="1" noChangeAspect="1" noMove="1" noResize="1" noEditPoints="1" noAdjustHandles="1" noChangeArrowheads="1" noChangeShapeType="1" noTextEdit="1"/>
-          </p:cNvSpPr>
-          <p:nvPr>
-            <p:extLst>
-              <p:ext uri="{386F3935-93C4-4BCD-93E2-E3B085C9AB24}">
-                <p16:designElem xmlns:p16="http://schemas.microsoft.com/office/powerpoint/2015/main" xmlns="" val="1"/>
-              </p:ext>
-            </p:extLst>
-          </p:nvPr>
-        </p:nvSpPr>
-        <p:spPr>
-          <a:xfrm>
-            <a:off x="0" y="0"/>
-            <a:ext cx="182880" cy="6858000"/>
-          </a:xfrm>
-          <a:prstGeom prst="rect">
-            <a:avLst/>
-          </a:prstGeom>
-          <a:solidFill>
-            <a:schemeClr val="tx2"/>
-          </a:solidFill>
-          <a:ln>
-            <a:noFill/>
-          </a:ln>
-          <a:effectLst/>
-        </p:spPr>
-        <p:style>
-          <a:lnRef idx="1">
-            <a:schemeClr val="accent1"/>
-          </a:lnRef>
-          <a:fillRef idx="3">
-            <a:schemeClr val="accent1"/>
-          </a:fillRef>
-          <a:effectRef idx="2">
-            <a:schemeClr val="accent1"/>
-          </a:effectRef>
-          <a:fontRef idx="minor">
-            <a:schemeClr val="lt1"/>
-          </a:fontRef>
-        </p:style>
-      </p:sp>
-      <p:sp>
-        <p:nvSpPr>
-          <p:cNvPr id="4" name="Slide Number Placeholder 3">
-            <a:extLst>
-              <a:ext uri="{FF2B5EF4-FFF2-40B4-BE49-F238E27FC236}">
-                <a16:creationId xmlns:a16="http://schemas.microsoft.com/office/drawing/2014/main" xmlns="" id="{BB89A8F9-EC3B-41E5-9838-7FC620CEAA00}"/>
-              </a:ext>
-            </a:extLst>
-          </p:cNvPr>
-          <p:cNvSpPr>
             <a:spLocks noGrp="1"/>
           </p:cNvSpPr>
           <p:nvPr>
             <p:ph type="sldNum" sz="quarter" idx="12"/>
           </p:nvPr>
         </p:nvSpPr>
-        <p:spPr>
-          <a:xfrm>
-            <a:off x="151790" y="3246438"/>
-            <a:ext cx="596886" cy="365125"/>
-          </a:xfrm>
-        </p:spPr>
-        <p:txBody>
-          <a:bodyPr>
-            <a:normAutofit/>
-          </a:bodyPr>
+        <p:spPr/>
+        <p:txBody>
+          <a:bodyPr/>
           <a:lstStyle/>
           <a:p>
-            <a:pPr>
-              <a:lnSpc>
-                <a:spcPct val="90000"/>
-              </a:lnSpc>
-              <a:spcAft>
-                <a:spcPts val="600"/>
-              </a:spcAft>
-            </a:pPr>
             <a:fld id="{7C933938-B8E8-47AB-B89E-92B6FF3A5B7F}" type="slidenum">
-              <a:rPr lang="bg-BG" sz="1900">
-                <a:solidFill>
-                  <a:schemeClr val="accent1"/>
-                </a:solidFill>
-              </a:rPr>
-              <a:pPr>
-                <a:lnSpc>
-                  <a:spcPct val="90000"/>
-                </a:lnSpc>
-                <a:spcAft>
-                  <a:spcPts val="600"/>
-                </a:spcAft>
-              </a:pPr>
+              <a:rPr lang="bg-BG" smtClean="0"/>
               <a:t>4</a:t>
             </a:fld>
-            <a:endParaRPr lang="bg-BG" sz="1900">
-              <a:solidFill>
-                <a:schemeClr val="accent1"/>
-              </a:solidFill>
-            </a:endParaRPr>
-          </a:p>
-        </p:txBody>
-      </p:sp>
-      <p:cxnSp>
-        <p:nvCxnSpPr>
-          <p:cNvPr id="13" name="Straight Connector 12">
-            <a:extLst>
-              <a:ext uri="{FF2B5EF4-FFF2-40B4-BE49-F238E27FC236}">
-                <a16:creationId xmlns:a16="http://schemas.microsoft.com/office/drawing/2014/main" xmlns="" id="{27EBB3F9-D6F7-4F6A-8843-9FEBA15E4969}"/>
-              </a:ext>
-              <a:ext uri="{C183D7F6-B498-43B3-948B-1728B52AA6E4}">
-                <adec:decorative xmlns:adec="http://schemas.microsoft.com/office/drawing/2017/decorative" xmlns="" val="1"/>
-              </a:ext>
-            </a:extLst>
-          </p:cNvPr>
-          <p:cNvCxnSpPr>
-            <a:cxnSpLocks noGrp="1" noRot="1" noChangeAspect="1" noMove="1" noResize="1" noEditPoints="1" noAdjustHandles="1" noChangeArrowheads="1" noChangeShapeType="1"/>
-          </p:cNvCxnSpPr>
-          <p:nvPr>
-            <p:extLst>
-              <p:ext uri="{386F3935-93C4-4BCD-93E2-E3B085C9AB24}">
-                <p16:designElem xmlns:p16="http://schemas.microsoft.com/office/powerpoint/2015/main" xmlns="" val="1"/>
-              </p:ext>
-            </p:extLst>
-          </p:nvPr>
-        </p:nvCxnSpPr>
-        <p:spPr>
-          <a:xfrm>
-            <a:off x="4654296" y="1871831"/>
-            <a:ext cx="0" cy="3200400"/>
-          </a:xfrm>
-          <a:prstGeom prst="line">
-            <a:avLst/>
-          </a:prstGeom>
-          <a:ln w="15875">
-            <a:solidFill>
-              <a:schemeClr val="accent4"/>
-            </a:solidFill>
-          </a:ln>
-        </p:spPr>
-        <p:style>
-          <a:lnRef idx="1">
-            <a:schemeClr val="accent1"/>
-          </a:lnRef>
-          <a:fillRef idx="0">
-            <a:schemeClr val="accent1"/>
-          </a:fillRef>
-          <a:effectRef idx="0">
-            <a:schemeClr val="accent1"/>
-          </a:effectRef>
-          <a:fontRef idx="minor">
-            <a:schemeClr val="tx1"/>
-          </a:fontRef>
-        </p:style>
-      </p:cxnSp>
-      <p:grpSp>
-        <p:nvGrpSpPr>
-          <p:cNvPr id="15" name="Group 14">
-            <a:extLst>
-              <a:ext uri="{FF2B5EF4-FFF2-40B4-BE49-F238E27FC236}">
-                <a16:creationId xmlns:a16="http://schemas.microsoft.com/office/drawing/2014/main" xmlns="" id="{5D2B17EF-74EB-4C33-B2E2-8E727B2E7D68}"/>
-              </a:ext>
-              <a:ext uri="{C183D7F6-B498-43B3-948B-1728B52AA6E4}">
-                <adec:decorative xmlns:adec="http://schemas.microsoft.com/office/drawing/2017/decorative" xmlns="" val="1"/>
-              </a:ext>
-            </a:extLst>
-          </p:cNvPr>
-          <p:cNvGrpSpPr>
-            <a:grpSpLocks noGrp="1" noUngrp="1" noRot="1" noChangeAspect="1" noMove="1" noResize="1"/>
-          </p:cNvGrpSpPr>
-          <p:nvPr>
-            <p:extLst>
-              <p:ext uri="{386F3935-93C4-4BCD-93E2-E3B085C9AB24}">
-                <p16:designElem xmlns:p16="http://schemas.microsoft.com/office/powerpoint/2015/main" xmlns="" val="1"/>
-              </p:ext>
-            </p:extLst>
-          </p:nvPr>
-        </p:nvGrpSpPr>
-        <p:grpSpPr>
-          <a:xfrm flipH="1">
-            <a:off x="6009967" y="0"/>
-            <a:ext cx="6176982" cy="6853245"/>
-            <a:chOff x="2487613" y="285750"/>
-            <a:chExt cx="2428876" cy="5654676"/>
-          </a:xfrm>
-          <a:solidFill>
-            <a:schemeClr val="bg1">
-              <a:alpha val="30000"/>
-            </a:schemeClr>
-          </a:solidFill>
-        </p:grpSpPr>
-        <p:sp>
-          <p:nvSpPr>
-            <p:cNvPr id="16" name="Freeform 11">
-              <a:extLst>
-                <a:ext uri="{FF2B5EF4-FFF2-40B4-BE49-F238E27FC236}">
-                  <a16:creationId xmlns:a16="http://schemas.microsoft.com/office/drawing/2014/main" xmlns="" id="{0A5F1F8A-3206-4B86-883F-65E98BB6E475}"/>
-                </a:ext>
-                <a:ext uri="{C183D7F6-B498-43B3-948B-1728B52AA6E4}">
-                  <adec:decorative xmlns:adec="http://schemas.microsoft.com/office/drawing/2017/decorative" xmlns="" val="1"/>
-                </a:ext>
-              </a:extLst>
-            </p:cNvPr>
-            <p:cNvSpPr/>
-            <p:nvPr>
-              <p:extLst>
-                <p:ext uri="{386F3935-93C4-4BCD-93E2-E3B085C9AB24}">
-                  <p16:designElem xmlns:p16="http://schemas.microsoft.com/office/powerpoint/2015/main" xmlns="" val="1"/>
-                </p:ext>
-              </p:extLst>
-            </p:nvPr>
-          </p:nvSpPr>
-          <p:spPr bwMode="auto">
-            <a:xfrm>
-              <a:off x="2487613" y="2284413"/>
-              <a:ext cx="85725" cy="533400"/>
-            </a:xfrm>
-            <a:custGeom>
-              <a:avLst/>
-              <a:gdLst/>
-              <a:ahLst/>
-              <a:cxnLst/>
-              <a:rect l="0" t="0" r="r" b="b"/>
-              <a:pathLst>
-                <a:path w="22" h="136">
-                  <a:moveTo>
-                    <a:pt x="22" y="136"/>
-                  </a:moveTo>
-                  <a:cubicBezTo>
-                    <a:pt x="20" y="117"/>
-                    <a:pt x="19" y="99"/>
-                    <a:pt x="17" y="80"/>
-                  </a:cubicBezTo>
-                  <a:cubicBezTo>
-                    <a:pt x="11" y="54"/>
-                    <a:pt x="6" y="27"/>
-                    <a:pt x="0" y="0"/>
-                  </a:cubicBezTo>
-                  <a:cubicBezTo>
-                    <a:pt x="0" y="35"/>
-                    <a:pt x="0" y="35"/>
-                    <a:pt x="0" y="35"/>
-                  </a:cubicBezTo>
-                  <a:cubicBezTo>
-                    <a:pt x="6" y="64"/>
-                    <a:pt x="13" y="94"/>
-                    <a:pt x="20" y="124"/>
-                  </a:cubicBezTo>
-                  <a:cubicBezTo>
-                    <a:pt x="20" y="128"/>
-                    <a:pt x="21" y="132"/>
-                    <a:pt x="22" y="136"/>
-                  </a:cubicBezTo>
-                  <a:close/>
-                </a:path>
-              </a:pathLst>
-            </a:custGeom>
-            <a:grpFill/>
-            <a:ln>
-              <a:noFill/>
-            </a:ln>
-          </p:spPr>
-        </p:sp>
-        <p:sp>
-          <p:nvSpPr>
-            <p:cNvPr id="17" name="Freeform 12">
-              <a:extLst>
-                <a:ext uri="{FF2B5EF4-FFF2-40B4-BE49-F238E27FC236}">
-                  <a16:creationId xmlns:a16="http://schemas.microsoft.com/office/drawing/2014/main" xmlns="" id="{6935F8C7-CC88-4243-9786-F3CDBF04A09F}"/>
-                </a:ext>
-                <a:ext uri="{C183D7F6-B498-43B3-948B-1728B52AA6E4}">
-                  <adec:decorative xmlns:adec="http://schemas.microsoft.com/office/drawing/2017/decorative" xmlns="" val="1"/>
-                </a:ext>
-              </a:extLst>
-            </p:cNvPr>
-            <p:cNvSpPr/>
-            <p:nvPr>
-              <p:extLst>
-                <p:ext uri="{386F3935-93C4-4BCD-93E2-E3B085C9AB24}">
-                  <p16:designElem xmlns:p16="http://schemas.microsoft.com/office/powerpoint/2015/main" xmlns="" val="1"/>
-                </p:ext>
-              </p:extLst>
-            </p:nvPr>
-          </p:nvSpPr>
-          <p:spPr bwMode="auto">
-            <a:xfrm>
-              <a:off x="2597151" y="2779713"/>
-              <a:ext cx="550863" cy="1978025"/>
-            </a:xfrm>
-            <a:custGeom>
-              <a:avLst/>
-              <a:gdLst/>
-              <a:ahLst/>
-              <a:cxnLst/>
-              <a:rect l="0" t="0" r="r" b="b"/>
-              <a:pathLst>
-                <a:path w="140" h="504">
-                  <a:moveTo>
-                    <a:pt x="86" y="350"/>
-                  </a:moveTo>
-                  <a:cubicBezTo>
-                    <a:pt x="103" y="402"/>
-                    <a:pt x="120" y="453"/>
-                    <a:pt x="139" y="504"/>
-                  </a:cubicBezTo>
-                  <a:cubicBezTo>
-                    <a:pt x="139" y="495"/>
-                    <a:pt x="139" y="487"/>
-                    <a:pt x="140" y="478"/>
-                  </a:cubicBezTo>
-                  <a:cubicBezTo>
-                    <a:pt x="124" y="435"/>
-                    <a:pt x="109" y="391"/>
-                    <a:pt x="95" y="347"/>
-                  </a:cubicBezTo>
-                  <a:cubicBezTo>
-                    <a:pt x="58" y="233"/>
-                    <a:pt x="27" y="117"/>
-                    <a:pt x="0" y="0"/>
-                  </a:cubicBezTo>
-                  <a:cubicBezTo>
-                    <a:pt x="2" y="20"/>
-                    <a:pt x="4" y="41"/>
-                    <a:pt x="6" y="61"/>
-                  </a:cubicBezTo>
-                  <a:cubicBezTo>
-                    <a:pt x="30" y="158"/>
-                    <a:pt x="56" y="255"/>
-                    <a:pt x="86" y="350"/>
-                  </a:cubicBezTo>
-                  <a:close/>
-                </a:path>
-              </a:pathLst>
-            </a:custGeom>
-            <a:grpFill/>
-            <a:ln>
-              <a:noFill/>
-            </a:ln>
-          </p:spPr>
-        </p:sp>
-        <p:sp>
-          <p:nvSpPr>
-            <p:cNvPr id="18" name="Freeform 13">
-              <a:extLst>
-                <a:ext uri="{FF2B5EF4-FFF2-40B4-BE49-F238E27FC236}">
-                  <a16:creationId xmlns:a16="http://schemas.microsoft.com/office/drawing/2014/main" xmlns="" id="{9AF7BAD9-71B3-40D8-A089-EFF7FE67BD66}"/>
-                </a:ext>
-                <a:ext uri="{C183D7F6-B498-43B3-948B-1728B52AA6E4}">
-                  <adec:decorative xmlns:adec="http://schemas.microsoft.com/office/drawing/2017/decorative" xmlns="" val="1"/>
-                </a:ext>
-              </a:extLst>
-            </p:cNvPr>
-            <p:cNvSpPr/>
-            <p:nvPr>
-              <p:extLst>
-                <p:ext uri="{386F3935-93C4-4BCD-93E2-E3B085C9AB24}">
-                  <p16:designElem xmlns:p16="http://schemas.microsoft.com/office/powerpoint/2015/main" xmlns="" val="1"/>
-                </p:ext>
-              </p:extLst>
-            </p:nvPr>
-          </p:nvSpPr>
-          <p:spPr bwMode="auto">
-            <a:xfrm>
-              <a:off x="3175001" y="4730750"/>
-              <a:ext cx="519113" cy="1209675"/>
-            </a:xfrm>
-            <a:custGeom>
-              <a:avLst/>
-              <a:gdLst/>
-              <a:ahLst/>
-              <a:cxnLst/>
-              <a:rect l="0" t="0" r="r" b="b"/>
-              <a:pathLst>
-                <a:path w="132" h="308">
-                  <a:moveTo>
-                    <a:pt x="8" y="22"/>
-                  </a:moveTo>
-                  <a:cubicBezTo>
-                    <a:pt x="5" y="15"/>
-                    <a:pt x="2" y="8"/>
-                    <a:pt x="0" y="0"/>
-                  </a:cubicBezTo>
-                  <a:cubicBezTo>
-                    <a:pt x="0" y="10"/>
-                    <a:pt x="0" y="19"/>
-                    <a:pt x="0" y="29"/>
-                  </a:cubicBezTo>
-                  <a:cubicBezTo>
-                    <a:pt x="21" y="85"/>
-                    <a:pt x="44" y="140"/>
-                    <a:pt x="68" y="194"/>
-                  </a:cubicBezTo>
-                  <a:cubicBezTo>
-                    <a:pt x="85" y="232"/>
-                    <a:pt x="104" y="270"/>
-                    <a:pt x="123" y="308"/>
-                  </a:cubicBezTo>
-                  <a:cubicBezTo>
-                    <a:pt x="132" y="308"/>
-                    <a:pt x="132" y="308"/>
-                    <a:pt x="132" y="308"/>
-                  </a:cubicBezTo>
-                  <a:cubicBezTo>
-                    <a:pt x="113" y="269"/>
-                    <a:pt x="94" y="230"/>
-                    <a:pt x="77" y="190"/>
-                  </a:cubicBezTo>
-                  <a:cubicBezTo>
-                    <a:pt x="52" y="135"/>
-                    <a:pt x="29" y="79"/>
-                    <a:pt x="8" y="22"/>
-                  </a:cubicBezTo>
-                  <a:close/>
-                </a:path>
-              </a:pathLst>
-            </a:custGeom>
-            <a:grpFill/>
-            <a:ln>
-              <a:noFill/>
-            </a:ln>
-          </p:spPr>
-        </p:sp>
-        <p:sp>
-          <p:nvSpPr>
-            <p:cNvPr id="19" name="Freeform 14">
-              <a:extLst>
-                <a:ext uri="{FF2B5EF4-FFF2-40B4-BE49-F238E27FC236}">
-                  <a16:creationId xmlns:a16="http://schemas.microsoft.com/office/drawing/2014/main" xmlns="" id="{6467094F-AEF0-4D3B-BB76-8B3C1F08B937}"/>
-                </a:ext>
-                <a:ext uri="{C183D7F6-B498-43B3-948B-1728B52AA6E4}">
-                  <adec:decorative xmlns:adec="http://schemas.microsoft.com/office/drawing/2017/decorative" xmlns="" val="1"/>
-                </a:ext>
-              </a:extLst>
-            </p:cNvPr>
-            <p:cNvSpPr/>
-            <p:nvPr>
-              <p:extLst>
-                <p:ext uri="{386F3935-93C4-4BCD-93E2-E3B085C9AB24}">
-                  <p16:designElem xmlns:p16="http://schemas.microsoft.com/office/powerpoint/2015/main" xmlns="" val="1"/>
-                </p:ext>
-              </p:extLst>
-            </p:nvPr>
-          </p:nvSpPr>
-          <p:spPr bwMode="auto">
-            <a:xfrm>
-              <a:off x="3305176" y="5630863"/>
-              <a:ext cx="146050" cy="309563"/>
-            </a:xfrm>
-            <a:custGeom>
-              <a:avLst/>
-              <a:gdLst/>
-              <a:ahLst/>
-              <a:cxnLst/>
-              <a:rect l="0" t="0" r="r" b="b"/>
-              <a:pathLst>
-                <a:path w="37" h="79">
-                  <a:moveTo>
-                    <a:pt x="28" y="79"/>
-                  </a:moveTo>
-                  <a:cubicBezTo>
-                    <a:pt x="37" y="79"/>
-                    <a:pt x="37" y="79"/>
-                    <a:pt x="37" y="79"/>
-                  </a:cubicBezTo>
-                  <a:cubicBezTo>
-                    <a:pt x="24" y="53"/>
-                    <a:pt x="12" y="27"/>
-                    <a:pt x="0" y="0"/>
-                  </a:cubicBezTo>
-                  <a:cubicBezTo>
-                    <a:pt x="8" y="27"/>
-                    <a:pt x="17" y="53"/>
-                    <a:pt x="28" y="79"/>
-                  </a:cubicBezTo>
-                  <a:close/>
-                </a:path>
-              </a:pathLst>
-            </a:custGeom>
-            <a:grpFill/>
-            <a:ln>
-              <a:noFill/>
-            </a:ln>
-          </p:spPr>
-        </p:sp>
-        <p:sp>
-          <p:nvSpPr>
-            <p:cNvPr id="20" name="Freeform 15">
-              <a:extLst>
-                <a:ext uri="{FF2B5EF4-FFF2-40B4-BE49-F238E27FC236}">
-                  <a16:creationId xmlns:a16="http://schemas.microsoft.com/office/drawing/2014/main" xmlns="" id="{36F56AF9-DEF1-44E7-BF42-6AAC1AA9D19D}"/>
-                </a:ext>
-                <a:ext uri="{C183D7F6-B498-43B3-948B-1728B52AA6E4}">
-                  <adec:decorative xmlns:adec="http://schemas.microsoft.com/office/drawing/2017/decorative" xmlns="" val="1"/>
-                </a:ext>
-              </a:extLst>
-            </p:cNvPr>
-            <p:cNvSpPr/>
-            <p:nvPr>
-              <p:extLst>
-                <p:ext uri="{386F3935-93C4-4BCD-93E2-E3B085C9AB24}">
-                  <p16:designElem xmlns:p16="http://schemas.microsoft.com/office/powerpoint/2015/main" xmlns="" val="1"/>
-                </p:ext>
-              </p:extLst>
-            </p:nvPr>
-          </p:nvSpPr>
-          <p:spPr bwMode="auto">
-            <a:xfrm>
-              <a:off x="2573338" y="2817813"/>
-              <a:ext cx="700088" cy="2835275"/>
-            </a:xfrm>
-            <a:custGeom>
-              <a:avLst/>
-              <a:gdLst/>
-              <a:ahLst/>
-              <a:cxnLst/>
-              <a:rect l="0" t="0" r="r" b="b"/>
-              <a:pathLst>
-                <a:path w="178" h="722">
-                  <a:moveTo>
-                    <a:pt x="162" y="660"/>
-                  </a:moveTo>
-                  <a:cubicBezTo>
-                    <a:pt x="145" y="618"/>
-                    <a:pt x="130" y="576"/>
-                    <a:pt x="116" y="534"/>
-                  </a:cubicBezTo>
-                  <a:cubicBezTo>
-                    <a:pt x="84" y="437"/>
-                    <a:pt x="59" y="337"/>
-                    <a:pt x="40" y="236"/>
-                  </a:cubicBezTo>
-                  <a:cubicBezTo>
-                    <a:pt x="29" y="175"/>
-                    <a:pt x="20" y="113"/>
-                    <a:pt x="12" y="51"/>
-                  </a:cubicBezTo>
-                  <a:cubicBezTo>
-                    <a:pt x="8" y="34"/>
-                    <a:pt x="4" y="17"/>
-                    <a:pt x="0" y="0"/>
-                  </a:cubicBezTo>
-                  <a:cubicBezTo>
-                    <a:pt x="8" y="79"/>
-                    <a:pt x="19" y="159"/>
-                    <a:pt x="33" y="237"/>
-                  </a:cubicBezTo>
-                  <a:cubicBezTo>
-                    <a:pt x="51" y="339"/>
-                    <a:pt x="76" y="439"/>
-                    <a:pt x="107" y="537"/>
-                  </a:cubicBezTo>
-                  <a:cubicBezTo>
-                    <a:pt x="123" y="586"/>
-                    <a:pt x="141" y="634"/>
-                    <a:pt x="160" y="681"/>
-                  </a:cubicBezTo>
-                  <a:cubicBezTo>
-                    <a:pt x="166" y="695"/>
-                    <a:pt x="172" y="708"/>
-                    <a:pt x="178" y="722"/>
-                  </a:cubicBezTo>
-                  <a:cubicBezTo>
-                    <a:pt x="176" y="717"/>
-                    <a:pt x="175" y="713"/>
-                    <a:pt x="174" y="708"/>
-                  </a:cubicBezTo>
-                  <a:cubicBezTo>
-                    <a:pt x="169" y="692"/>
-                    <a:pt x="165" y="676"/>
-                    <a:pt x="162" y="660"/>
-                  </a:cubicBezTo>
-                  <a:close/>
-                </a:path>
-              </a:pathLst>
-            </a:custGeom>
-            <a:grpFill/>
-            <a:ln>
-              <a:noFill/>
-            </a:ln>
-          </p:spPr>
-        </p:sp>
-        <p:sp>
-          <p:nvSpPr>
-            <p:cNvPr id="21" name="Freeform 16">
-              <a:extLst>
-                <a:ext uri="{FF2B5EF4-FFF2-40B4-BE49-F238E27FC236}">
-                  <a16:creationId xmlns:a16="http://schemas.microsoft.com/office/drawing/2014/main" xmlns="" id="{A43EBE71-20BA-4A40-A513-516678089D11}"/>
-                </a:ext>
-                <a:ext uri="{C183D7F6-B498-43B3-948B-1728B52AA6E4}">
-                  <adec:decorative xmlns:adec="http://schemas.microsoft.com/office/drawing/2017/decorative" xmlns="" val="1"/>
-                </a:ext>
-              </a:extLst>
-            </p:cNvPr>
-            <p:cNvSpPr/>
-            <p:nvPr>
-              <p:extLst>
-                <p:ext uri="{386F3935-93C4-4BCD-93E2-E3B085C9AB24}">
-                  <p16:designElem xmlns:p16="http://schemas.microsoft.com/office/powerpoint/2015/main" xmlns="" val="1"/>
-                </p:ext>
-              </p:extLst>
-            </p:nvPr>
-          </p:nvSpPr>
-          <p:spPr bwMode="auto">
-            <a:xfrm>
-              <a:off x="2506663" y="285750"/>
-              <a:ext cx="90488" cy="2493963"/>
-            </a:xfrm>
-            <a:custGeom>
-              <a:avLst/>
-              <a:gdLst/>
-              <a:ahLst/>
-              <a:cxnLst/>
-              <a:rect l="0" t="0" r="r" b="b"/>
-              <a:pathLst>
-                <a:path w="23" h="635">
-                  <a:moveTo>
-                    <a:pt x="11" y="577"/>
-                  </a:moveTo>
-                  <a:cubicBezTo>
-                    <a:pt x="12" y="581"/>
-                    <a:pt x="12" y="585"/>
-                    <a:pt x="12" y="589"/>
-                  </a:cubicBezTo>
-                  <a:cubicBezTo>
-                    <a:pt x="15" y="603"/>
-                    <a:pt x="19" y="617"/>
-                    <a:pt x="22" y="632"/>
-                  </a:cubicBezTo>
-                  <a:cubicBezTo>
-                    <a:pt x="22" y="633"/>
-                    <a:pt x="22" y="634"/>
-                    <a:pt x="23" y="635"/>
-                  </a:cubicBezTo>
-                  <a:cubicBezTo>
-                    <a:pt x="21" y="615"/>
-                    <a:pt x="19" y="596"/>
-                    <a:pt x="17" y="576"/>
-                  </a:cubicBezTo>
-                  <a:cubicBezTo>
-                    <a:pt x="9" y="474"/>
-                    <a:pt x="5" y="372"/>
-                    <a:pt x="5" y="269"/>
-                  </a:cubicBezTo>
-                  <a:cubicBezTo>
-                    <a:pt x="6" y="179"/>
-                    <a:pt x="9" y="90"/>
-                    <a:pt x="15" y="0"/>
-                  </a:cubicBezTo>
-                  <a:cubicBezTo>
-                    <a:pt x="12" y="0"/>
-                    <a:pt x="12" y="0"/>
-                    <a:pt x="12" y="0"/>
-                  </a:cubicBezTo>
-                  <a:cubicBezTo>
-                    <a:pt x="5" y="89"/>
-                    <a:pt x="2" y="179"/>
-                    <a:pt x="1" y="269"/>
-                  </a:cubicBezTo>
-                  <a:cubicBezTo>
-                    <a:pt x="0" y="372"/>
-                    <a:pt x="3" y="474"/>
-                    <a:pt x="11" y="577"/>
-                  </a:cubicBezTo>
-                  <a:close/>
-                </a:path>
-              </a:pathLst>
-            </a:custGeom>
-            <a:grpFill/>
-            <a:ln>
-              <a:noFill/>
-            </a:ln>
-          </p:spPr>
-        </p:sp>
-        <p:sp>
-          <p:nvSpPr>
-            <p:cNvPr id="22" name="Freeform 17">
-              <a:extLst>
-                <a:ext uri="{FF2B5EF4-FFF2-40B4-BE49-F238E27FC236}">
-                  <a16:creationId xmlns:a16="http://schemas.microsoft.com/office/drawing/2014/main" xmlns="" id="{1DB39648-7B38-4D0B-93C5-048EC4A45C99}"/>
-                </a:ext>
-                <a:ext uri="{C183D7F6-B498-43B3-948B-1728B52AA6E4}">
-                  <adec:decorative xmlns:adec="http://schemas.microsoft.com/office/drawing/2017/decorative" xmlns="" val="1"/>
-                </a:ext>
-              </a:extLst>
-            </p:cNvPr>
-            <p:cNvSpPr/>
-            <p:nvPr>
-              <p:extLst>
-                <p:ext uri="{386F3935-93C4-4BCD-93E2-E3B085C9AB24}">
-                  <p16:designElem xmlns:p16="http://schemas.microsoft.com/office/powerpoint/2015/main" xmlns="" val="1"/>
-                </p:ext>
-              </p:extLst>
-            </p:nvPr>
-          </p:nvSpPr>
-          <p:spPr bwMode="auto">
-            <a:xfrm>
-              <a:off x="2554288" y="2598738"/>
-              <a:ext cx="66675" cy="420688"/>
-            </a:xfrm>
-            <a:custGeom>
-              <a:avLst/>
-              <a:gdLst/>
-              <a:ahLst/>
-              <a:cxnLst/>
-              <a:rect l="0" t="0" r="r" b="b"/>
-              <a:pathLst>
-                <a:path w="17" h="107">
-                  <a:moveTo>
-                    <a:pt x="0" y="0"/>
-                  </a:moveTo>
-                  <a:cubicBezTo>
-                    <a:pt x="2" y="19"/>
-                    <a:pt x="3" y="37"/>
-                    <a:pt x="5" y="56"/>
-                  </a:cubicBezTo>
-                  <a:cubicBezTo>
-                    <a:pt x="9" y="73"/>
-                    <a:pt x="13" y="90"/>
-                    <a:pt x="17" y="107"/>
-                  </a:cubicBezTo>
-                  <a:cubicBezTo>
-                    <a:pt x="15" y="87"/>
-                    <a:pt x="13" y="66"/>
-                    <a:pt x="11" y="46"/>
-                  </a:cubicBezTo>
-                  <a:cubicBezTo>
-                    <a:pt x="10" y="45"/>
-                    <a:pt x="10" y="44"/>
-                    <a:pt x="10" y="43"/>
-                  </a:cubicBezTo>
-                  <a:cubicBezTo>
-                    <a:pt x="7" y="28"/>
-                    <a:pt x="3" y="14"/>
-                    <a:pt x="0" y="0"/>
-                  </a:cubicBezTo>
-                  <a:close/>
-                </a:path>
-              </a:pathLst>
-            </a:custGeom>
-            <a:grpFill/>
-            <a:ln>
-              <a:noFill/>
-            </a:ln>
-          </p:spPr>
-        </p:sp>
-        <p:sp>
-          <p:nvSpPr>
-            <p:cNvPr id="23" name="Freeform 18">
-              <a:extLst>
-                <a:ext uri="{FF2B5EF4-FFF2-40B4-BE49-F238E27FC236}">
-                  <a16:creationId xmlns:a16="http://schemas.microsoft.com/office/drawing/2014/main" xmlns="" id="{8DD2661F-DE5F-45EA-B30B-7C6589638836}"/>
-                </a:ext>
-                <a:ext uri="{C183D7F6-B498-43B3-948B-1728B52AA6E4}">
-                  <adec:decorative xmlns:adec="http://schemas.microsoft.com/office/drawing/2017/decorative" xmlns="" val="1"/>
-                </a:ext>
-              </a:extLst>
-            </p:cNvPr>
-            <p:cNvSpPr/>
-            <p:nvPr>
-              <p:extLst>
-                <p:ext uri="{386F3935-93C4-4BCD-93E2-E3B085C9AB24}">
-                  <p16:designElem xmlns:p16="http://schemas.microsoft.com/office/powerpoint/2015/main" xmlns="" val="1"/>
-                </p:ext>
-              </p:extLst>
-            </p:nvPr>
-          </p:nvSpPr>
-          <p:spPr bwMode="auto">
-            <a:xfrm>
-              <a:off x="3143251" y="4757738"/>
-              <a:ext cx="161925" cy="873125"/>
-            </a:xfrm>
-            <a:custGeom>
-              <a:avLst/>
-              <a:gdLst/>
-              <a:ahLst/>
-              <a:cxnLst/>
-              <a:rect l="0" t="0" r="r" b="b"/>
-              <a:pathLst>
-                <a:path w="41" h="222">
-                  <a:moveTo>
-                    <a:pt x="0" y="0"/>
-                  </a:moveTo>
-                  <a:cubicBezTo>
-                    <a:pt x="0" y="31"/>
-                    <a:pt x="2" y="62"/>
-                    <a:pt x="5" y="93"/>
-                  </a:cubicBezTo>
-                  <a:cubicBezTo>
-                    <a:pt x="8" y="117"/>
-                    <a:pt x="12" y="142"/>
-                    <a:pt x="17" y="166"/>
-                  </a:cubicBezTo>
-                  <a:cubicBezTo>
-                    <a:pt x="19" y="172"/>
-                    <a:pt x="22" y="178"/>
-                    <a:pt x="24" y="184"/>
-                  </a:cubicBezTo>
-                  <a:cubicBezTo>
-                    <a:pt x="30" y="197"/>
-                    <a:pt x="35" y="209"/>
-                    <a:pt x="41" y="222"/>
-                  </a:cubicBezTo>
-                  <a:cubicBezTo>
-                    <a:pt x="40" y="219"/>
-                    <a:pt x="39" y="215"/>
-                    <a:pt x="38" y="212"/>
-                  </a:cubicBezTo>
-                  <a:cubicBezTo>
-                    <a:pt x="26" y="172"/>
-                    <a:pt x="18" y="132"/>
-                    <a:pt x="13" y="92"/>
-                  </a:cubicBezTo>
-                  <a:cubicBezTo>
-                    <a:pt x="11" y="68"/>
-                    <a:pt x="9" y="45"/>
-                    <a:pt x="8" y="22"/>
-                  </a:cubicBezTo>
-                  <a:cubicBezTo>
-                    <a:pt x="8" y="21"/>
-                    <a:pt x="7" y="20"/>
-                    <a:pt x="7" y="18"/>
-                  </a:cubicBezTo>
-                  <a:cubicBezTo>
-                    <a:pt x="5" y="12"/>
-                    <a:pt x="2" y="6"/>
-                    <a:pt x="0" y="0"/>
-                  </a:cubicBezTo>
-                  <a:close/>
-                </a:path>
-              </a:pathLst>
-            </a:custGeom>
-            <a:grpFill/>
-            <a:ln>
-              <a:noFill/>
-            </a:ln>
-          </p:spPr>
-        </p:sp>
-        <p:sp>
-          <p:nvSpPr>
-            <p:cNvPr id="24" name="Freeform 19">
-              <a:extLst>
-                <a:ext uri="{FF2B5EF4-FFF2-40B4-BE49-F238E27FC236}">
-                  <a16:creationId xmlns:a16="http://schemas.microsoft.com/office/drawing/2014/main" xmlns="" id="{ABF0A0E5-E68E-4183-A913-228692FD85EC}"/>
-                </a:ext>
-                <a:ext uri="{C183D7F6-B498-43B3-948B-1728B52AA6E4}">
-                  <adec:decorative xmlns:adec="http://schemas.microsoft.com/office/drawing/2017/decorative" xmlns="" val="1"/>
-                </a:ext>
-              </a:extLst>
-            </p:cNvPr>
-            <p:cNvSpPr/>
-            <p:nvPr>
-              <p:extLst>
-                <p:ext uri="{386F3935-93C4-4BCD-93E2-E3B085C9AB24}">
-                  <p16:designElem xmlns:p16="http://schemas.microsoft.com/office/powerpoint/2015/main" xmlns="" val="1"/>
-                </p:ext>
-              </p:extLst>
-            </p:nvPr>
-          </p:nvSpPr>
-          <p:spPr bwMode="auto">
-            <a:xfrm>
-              <a:off x="3148014" y="468286"/>
-              <a:ext cx="1768475" cy="4262464"/>
-            </a:xfrm>
-            <a:custGeom>
-              <a:avLst/>
-              <a:gdLst/>
-              <a:ahLst/>
-              <a:cxnLst/>
-              <a:rect l="0" t="0" r="r" b="b"/>
-              <a:pathLst>
-                <a:path w="450" h="878">
-                  <a:moveTo>
-                    <a:pt x="7" y="854"/>
-                  </a:moveTo>
-                  <a:cubicBezTo>
-                    <a:pt x="10" y="772"/>
-                    <a:pt x="26" y="691"/>
-                    <a:pt x="50" y="613"/>
-                  </a:cubicBezTo>
-                  <a:cubicBezTo>
-                    <a:pt x="75" y="535"/>
-                    <a:pt x="109" y="460"/>
-                    <a:pt x="149" y="388"/>
-                  </a:cubicBezTo>
-                  <a:cubicBezTo>
-                    <a:pt x="189" y="316"/>
-                    <a:pt x="235" y="248"/>
-                    <a:pt x="285" y="183"/>
-                  </a:cubicBezTo>
-                  <a:cubicBezTo>
-                    <a:pt x="310" y="151"/>
-                    <a:pt x="337" y="119"/>
-                    <a:pt x="364" y="89"/>
-                  </a:cubicBezTo>
-                  <a:cubicBezTo>
-                    <a:pt x="378" y="74"/>
-                    <a:pt x="392" y="58"/>
-                    <a:pt x="406" y="44"/>
-                  </a:cubicBezTo>
-                  <a:cubicBezTo>
-                    <a:pt x="421" y="29"/>
-                    <a:pt x="435" y="15"/>
-                    <a:pt x="450" y="1"/>
-                  </a:cubicBezTo>
-                  <a:cubicBezTo>
-                    <a:pt x="450" y="0"/>
-                    <a:pt x="450" y="0"/>
-                    <a:pt x="450" y="0"/>
-                  </a:cubicBezTo>
-                  <a:cubicBezTo>
-                    <a:pt x="434" y="14"/>
-                    <a:pt x="420" y="28"/>
-                    <a:pt x="405" y="43"/>
-                  </a:cubicBezTo>
-                  <a:cubicBezTo>
-                    <a:pt x="391" y="57"/>
-                    <a:pt x="377" y="72"/>
-                    <a:pt x="363" y="88"/>
-                  </a:cubicBezTo>
-                  <a:cubicBezTo>
-                    <a:pt x="335" y="118"/>
-                    <a:pt x="308" y="149"/>
-                    <a:pt x="283" y="181"/>
-                  </a:cubicBezTo>
-                  <a:cubicBezTo>
-                    <a:pt x="232" y="246"/>
-                    <a:pt x="185" y="314"/>
-                    <a:pt x="145" y="386"/>
-                  </a:cubicBezTo>
-                  <a:cubicBezTo>
-                    <a:pt x="104" y="457"/>
-                    <a:pt x="70" y="533"/>
-                    <a:pt x="45" y="611"/>
-                  </a:cubicBezTo>
-                  <a:cubicBezTo>
-                    <a:pt x="19" y="690"/>
-                    <a:pt x="3" y="771"/>
-                    <a:pt x="0" y="854"/>
-                  </a:cubicBezTo>
-                  <a:cubicBezTo>
-                    <a:pt x="0" y="856"/>
-                    <a:pt x="0" y="857"/>
-                    <a:pt x="0" y="859"/>
-                  </a:cubicBezTo>
-                  <a:cubicBezTo>
-                    <a:pt x="2" y="865"/>
-                    <a:pt x="4" y="872"/>
-                    <a:pt x="7" y="878"/>
-                  </a:cubicBezTo>
-                  <a:cubicBezTo>
-                    <a:pt x="7" y="870"/>
-                    <a:pt x="7" y="862"/>
-                    <a:pt x="7" y="854"/>
-                  </a:cubicBezTo>
-                  <a:close/>
-                </a:path>
-              </a:pathLst>
-            </a:custGeom>
-            <a:grpFill/>
-            <a:ln>
-              <a:noFill/>
-            </a:ln>
-          </p:spPr>
-        </p:sp>
-        <p:sp>
-          <p:nvSpPr>
-            <p:cNvPr id="25" name="Freeform 20">
-              <a:extLst>
-                <a:ext uri="{FF2B5EF4-FFF2-40B4-BE49-F238E27FC236}">
-                  <a16:creationId xmlns:a16="http://schemas.microsoft.com/office/drawing/2014/main" xmlns="" id="{615D8F55-8ACD-4EFE-A832-06E785479EA5}"/>
-                </a:ext>
-                <a:ext uri="{C183D7F6-B498-43B3-948B-1728B52AA6E4}">
-                  <adec:decorative xmlns:adec="http://schemas.microsoft.com/office/drawing/2017/decorative" xmlns="" val="1"/>
-                </a:ext>
-              </a:extLst>
-            </p:cNvPr>
-            <p:cNvSpPr/>
-            <p:nvPr>
-              <p:extLst>
-                <p:ext uri="{386F3935-93C4-4BCD-93E2-E3B085C9AB24}">
-                  <p16:designElem xmlns:p16="http://schemas.microsoft.com/office/powerpoint/2015/main" xmlns="" val="1"/>
-                </p:ext>
-              </p:extLst>
-            </p:nvPr>
-          </p:nvSpPr>
-          <p:spPr bwMode="auto">
-            <a:xfrm>
-              <a:off x="3273426" y="5653088"/>
-              <a:ext cx="138113" cy="287338"/>
-            </a:xfrm>
-            <a:custGeom>
-              <a:avLst/>
-              <a:gdLst/>
-              <a:ahLst/>
-              <a:cxnLst/>
-              <a:rect l="0" t="0" r="r" b="b"/>
-              <a:pathLst>
-                <a:path w="35" h="73">
-                  <a:moveTo>
-                    <a:pt x="0" y="0"/>
-                  </a:moveTo>
-                  <a:cubicBezTo>
-                    <a:pt x="7" y="24"/>
-                    <a:pt x="16" y="49"/>
-                    <a:pt x="26" y="73"/>
-                  </a:cubicBezTo>
-                  <a:cubicBezTo>
-                    <a:pt x="35" y="73"/>
-                    <a:pt x="35" y="73"/>
-                    <a:pt x="35" y="73"/>
-                  </a:cubicBezTo>
-                  <a:cubicBezTo>
-                    <a:pt x="23" y="49"/>
-                    <a:pt x="11" y="24"/>
-                    <a:pt x="0" y="0"/>
-                  </a:cubicBezTo>
-                  <a:close/>
-                </a:path>
-              </a:pathLst>
-            </a:custGeom>
-            <a:grpFill/>
-            <a:ln>
-              <a:noFill/>
-            </a:ln>
-          </p:spPr>
-        </p:sp>
-        <p:sp>
-          <p:nvSpPr>
-            <p:cNvPr id="26" name="Freeform 21">
-              <a:extLst>
-                <a:ext uri="{FF2B5EF4-FFF2-40B4-BE49-F238E27FC236}">
-                  <a16:creationId xmlns:a16="http://schemas.microsoft.com/office/drawing/2014/main" xmlns="" id="{0FDF4201-8CEC-474B-A6B1-88039B70416F}"/>
-                </a:ext>
-                <a:ext uri="{C183D7F6-B498-43B3-948B-1728B52AA6E4}">
-                  <adec:decorative xmlns:adec="http://schemas.microsoft.com/office/drawing/2017/decorative" xmlns="" val="1"/>
-                </a:ext>
-              </a:extLst>
-            </p:cNvPr>
-            <p:cNvSpPr/>
-            <p:nvPr>
-              <p:extLst>
-                <p:ext uri="{386F3935-93C4-4BCD-93E2-E3B085C9AB24}">
-                  <p16:designElem xmlns:p16="http://schemas.microsoft.com/office/powerpoint/2015/main" xmlns="" val="1"/>
-                </p:ext>
-              </p:extLst>
-            </p:nvPr>
-          </p:nvSpPr>
-          <p:spPr bwMode="auto">
-            <a:xfrm>
-              <a:off x="3143251" y="4656138"/>
-              <a:ext cx="31750" cy="188913"/>
-            </a:xfrm>
-            <a:custGeom>
-              <a:avLst/>
-              <a:gdLst/>
-              <a:ahLst/>
-              <a:cxnLst/>
-              <a:rect l="0" t="0" r="r" b="b"/>
-              <a:pathLst>
-                <a:path w="8" h="48">
-                  <a:moveTo>
-                    <a:pt x="7" y="44"/>
-                  </a:moveTo>
-                  <a:cubicBezTo>
-                    <a:pt x="7" y="46"/>
-                    <a:pt x="8" y="47"/>
-                    <a:pt x="8" y="48"/>
-                  </a:cubicBezTo>
-                  <a:cubicBezTo>
-                    <a:pt x="8" y="38"/>
-                    <a:pt x="8" y="29"/>
-                    <a:pt x="8" y="19"/>
-                  </a:cubicBezTo>
-                  <a:cubicBezTo>
-                    <a:pt x="5" y="13"/>
-                    <a:pt x="3" y="6"/>
-                    <a:pt x="1" y="0"/>
-                  </a:cubicBezTo>
-                  <a:cubicBezTo>
-                    <a:pt x="0" y="9"/>
-                    <a:pt x="0" y="17"/>
-                    <a:pt x="0" y="26"/>
-                  </a:cubicBezTo>
-                  <a:cubicBezTo>
-                    <a:pt x="2" y="32"/>
-                    <a:pt x="5" y="38"/>
-                    <a:pt x="7" y="44"/>
-                  </a:cubicBezTo>
-                  <a:close/>
-                </a:path>
-              </a:pathLst>
-            </a:custGeom>
-            <a:grpFill/>
-            <a:ln>
-              <a:noFill/>
-            </a:ln>
-          </p:spPr>
-        </p:sp>
-        <p:sp>
-          <p:nvSpPr>
-            <p:cNvPr id="27" name="Freeform 22">
-              <a:extLst>
-                <a:ext uri="{FF2B5EF4-FFF2-40B4-BE49-F238E27FC236}">
-                  <a16:creationId xmlns:a16="http://schemas.microsoft.com/office/drawing/2014/main" xmlns="" id="{0F60AEA4-B25F-417E-93FC-59686DFBE56E}"/>
-                </a:ext>
-                <a:ext uri="{C183D7F6-B498-43B3-948B-1728B52AA6E4}">
-                  <adec:decorative xmlns:adec="http://schemas.microsoft.com/office/drawing/2017/decorative" xmlns="" val="1"/>
-                </a:ext>
-              </a:extLst>
-            </p:cNvPr>
-            <p:cNvSpPr/>
-            <p:nvPr>
-              <p:extLst>
-                <p:ext uri="{386F3935-93C4-4BCD-93E2-E3B085C9AB24}">
-                  <p16:designElem xmlns:p16="http://schemas.microsoft.com/office/powerpoint/2015/main" xmlns="" val="1"/>
-                </p:ext>
-              </p:extLst>
-            </p:nvPr>
-          </p:nvSpPr>
-          <p:spPr bwMode="auto">
-            <a:xfrm>
-              <a:off x="3211513" y="5410200"/>
-              <a:ext cx="203200" cy="530225"/>
-            </a:xfrm>
-            <a:custGeom>
-              <a:avLst/>
-              <a:gdLst/>
-              <a:ahLst/>
-              <a:cxnLst/>
-              <a:rect l="0" t="0" r="r" b="b"/>
-              <a:pathLst>
-                <a:path w="52" h="135">
-                  <a:moveTo>
-                    <a:pt x="7" y="18"/>
-                  </a:moveTo>
-                  <a:cubicBezTo>
-                    <a:pt x="5" y="12"/>
-                    <a:pt x="2" y="6"/>
-                    <a:pt x="0" y="0"/>
-                  </a:cubicBezTo>
-                  <a:cubicBezTo>
-                    <a:pt x="3" y="16"/>
-                    <a:pt x="7" y="32"/>
-                    <a:pt x="12" y="48"/>
-                  </a:cubicBezTo>
-                  <a:cubicBezTo>
-                    <a:pt x="13" y="53"/>
-                    <a:pt x="14" y="57"/>
-                    <a:pt x="16" y="62"/>
-                  </a:cubicBezTo>
-                  <a:cubicBezTo>
-                    <a:pt x="27" y="86"/>
-                    <a:pt x="39" y="111"/>
-                    <a:pt x="51" y="135"/>
-                  </a:cubicBezTo>
-                  <a:cubicBezTo>
-                    <a:pt x="52" y="135"/>
-                    <a:pt x="52" y="135"/>
-                    <a:pt x="52" y="135"/>
-                  </a:cubicBezTo>
-                  <a:cubicBezTo>
-                    <a:pt x="41" y="109"/>
-                    <a:pt x="32" y="83"/>
-                    <a:pt x="24" y="56"/>
-                  </a:cubicBezTo>
-                  <a:cubicBezTo>
-                    <a:pt x="18" y="43"/>
-                    <a:pt x="13" y="31"/>
-                    <a:pt x="7" y="18"/>
-                  </a:cubicBezTo>
-                  <a:close/>
-                </a:path>
-              </a:pathLst>
-            </a:custGeom>
-            <a:grpFill/>
-            <a:ln>
-              <a:noFill/>
-            </a:ln>
-          </p:spPr>
-        </p:sp>
-      </p:grpSp>
-      <p:pic>
-        <p:nvPicPr>
-          <p:cNvPr id="6" name="Content Placeholder 5" descr="Diagram&#10;&#10;Description automatically generated">
-            <a:extLst>
-              <a:ext uri="{FF2B5EF4-FFF2-40B4-BE49-F238E27FC236}">
-                <a16:creationId xmlns:a16="http://schemas.microsoft.com/office/drawing/2014/main" xmlns="" id="{2DB2AEB3-386B-4292-925A-826BC3536A59}"/>
-              </a:ext>
-            </a:extLst>
-          </p:cNvPr>
-          <p:cNvPicPr>
-            <a:picLocks noGrp="1" noChangeAspect="1"/>
-          </p:cNvPicPr>
-          <p:nvPr>
-            <p:ph idx="1"/>
-          </p:nvPr>
-        </p:nvPicPr>
-        <p:blipFill>
-          <a:blip r:embed="rId2">
-            <a:extLst>
-              <a:ext uri="{28A0092B-C50C-407E-A947-70E740481C1C}">
-                <a14:useLocalDpi xmlns:a14="http://schemas.microsoft.com/office/drawing/2010/main" val="0"/>
-              </a:ext>
-            </a:extLst>
-          </a:blip>
-          <a:stretch>
-            <a:fillRect/>
-          </a:stretch>
-        </p:blipFill>
-        <p:spPr>
-          <a:xfrm>
-            <a:off x="5020794" y="1179649"/>
-            <a:ext cx="6266325" cy="4677986"/>
-          </a:xfrm>
-        </p:spPr>
-      </p:pic>
+            <a:endParaRPr lang="bg-BG"/>
+          </a:p>
+        </p:txBody>
+      </p:sp>
     </p:spTree>
     <p:extLst>
       <p:ext uri="{BB962C8B-B14F-4D97-AF65-F5344CB8AC3E}">
-        <p14:creationId xmlns:p14="http://schemas.microsoft.com/office/powerpoint/2010/main" val="3548046900"/>
+        <p14:creationId xmlns:p14="http://schemas.microsoft.com/office/powerpoint/2010/main" val="2817122198"/>
       </p:ext>
     </p:extLst>
   </p:cSld>
@@ -11922,10 +10558,10 @@
       </p:grpSpPr>
       <p:sp>
         <p:nvSpPr>
-          <p:cNvPr id="2" name="Title 1">
+          <p:cNvPr id="3" name="Title 2">
             <a:extLst>
               <a:ext uri="{FF2B5EF4-FFF2-40B4-BE49-F238E27FC236}">
-                <a16:creationId xmlns:a16="http://schemas.microsoft.com/office/drawing/2014/main" xmlns="" id="{C3E4A3CA-A45D-4274-BC4F-ED9987452F2E}"/>
+                <a16:creationId xmlns="" xmlns:a16="http://schemas.microsoft.com/office/drawing/2014/main" id="{63C01DCF-F92E-420B-A5EA-8F21C647D759}"/>
               </a:ext>
             </a:extLst>
           </p:cNvPr>
@@ -11943,7 +10579,19 @@
           <a:p>
             <a:r>
               <a:rPr lang="bg-BG" dirty="0"/>
-              <a:t>Компоненти на програмната реализация</a:t>
+              <a:t>Обекти </a:t>
+            </a:r>
+            <a:r>
+              <a:rPr lang="bg-BG" dirty="0" smtClean="0"/>
+              <a:t>– „</a:t>
+            </a:r>
+            <a:r>
+              <a:rPr lang="en-US" dirty="0" smtClean="0"/>
+              <a:t>Entities</a:t>
+            </a:r>
+            <a:r>
+              <a:rPr lang="bg-BG" dirty="0" smtClean="0"/>
+              <a:t>“</a:t>
             </a:r>
             <a:endParaRPr lang="en-US" dirty="0"/>
           </a:p>
@@ -11951,10 +10599,10 @@
       </p:sp>
       <p:sp>
         <p:nvSpPr>
-          <p:cNvPr id="3" name="Content Placeholder 2">
+          <p:cNvPr id="7" name="Text Placeholder 6">
             <a:extLst>
               <a:ext uri="{FF2B5EF4-FFF2-40B4-BE49-F238E27FC236}">
-                <a16:creationId xmlns:a16="http://schemas.microsoft.com/office/drawing/2014/main" xmlns="" id="{E058B035-56E1-4E2E-938D-85F47CF9B782}"/>
+                <a16:creationId xmlns="" xmlns:a16="http://schemas.microsoft.com/office/drawing/2014/main" id="{AEA9C637-FC21-4EE9-8F92-C06BFDF35CED}"/>
               </a:ext>
             </a:extLst>
           </p:cNvPr>
@@ -11965,83 +10613,73 @@
             <p:ph idx="1"/>
           </p:nvPr>
         </p:nvSpPr>
-        <p:spPr>
-          <a:xfrm>
-            <a:off x="2589212" y="2456268"/>
-            <a:ext cx="8915400" cy="3777622"/>
-          </a:xfrm>
-        </p:spPr>
-        <p:txBody>
-          <a:bodyPr>
-            <a:normAutofit lnSpcReduction="10000"/>
-          </a:bodyPr>
+        <p:spPr/>
+        <p:txBody>
+          <a:bodyPr/>
           <a:lstStyle/>
           <a:p>
             <a:r>
-              <a:rPr lang="bg-BG" sz="2400" dirty="0"/>
-              <a:t>Обекти – </a:t>
-            </a:r>
-            <a:r>
-              <a:rPr lang="en-US" sz="2400" dirty="0"/>
-              <a:t>Entities</a:t>
-            </a:r>
-            <a:br>
-              <a:rPr lang="en-US" sz="2400" dirty="0"/>
-            </a:br>
-            <a:endParaRPr lang="en-US" sz="2400" dirty="0"/>
-          </a:p>
-          <a:p>
-            <a:r>
-              <a:rPr lang="bg-BG" sz="2400" dirty="0"/>
-              <a:t>Услуги – </a:t>
-            </a:r>
-            <a:r>
-              <a:rPr lang="en-US" sz="2400" dirty="0"/>
-              <a:t>Services</a:t>
-            </a:r>
-            <a:br>
-              <a:rPr lang="en-US" sz="2400" dirty="0"/>
-            </a:br>
-            <a:endParaRPr lang="en-US" sz="2400" dirty="0"/>
-          </a:p>
-          <a:p>
-            <a:r>
-              <a:rPr lang="bg-BG" sz="2400" dirty="0"/>
-              <a:t>Управление – </a:t>
-            </a:r>
-            <a:r>
-              <a:rPr lang="en-US" sz="2400" dirty="0"/>
-              <a:t>Controllers</a:t>
-            </a:r>
-            <a:br>
-              <a:rPr lang="en-US" sz="2400" dirty="0"/>
-            </a:br>
-            <a:endParaRPr lang="en-US" sz="2400" dirty="0"/>
-          </a:p>
-          <a:p>
-            <a:r>
-              <a:rPr lang="bg-BG" sz="2400" dirty="0"/>
-              <a:t>Хранилища – </a:t>
-            </a:r>
-            <a:r>
-              <a:rPr lang="en-US" sz="2400" dirty="0"/>
-              <a:t>Repositories</a:t>
-            </a:r>
-            <a:br>
-              <a:rPr lang="en-US" sz="2400" dirty="0"/>
-            </a:br>
-            <a:endParaRPr lang="en-US" sz="2400" dirty="0"/>
-          </a:p>
-          <a:p>
-            <a:r>
-              <a:rPr lang="bg-BG" sz="2400" dirty="0"/>
-              <a:t>Сигурност и нейната конфигурация - </a:t>
-            </a:r>
-            <a:r>
-              <a:rPr lang="en-US" sz="2400" dirty="0" err="1"/>
-              <a:t>SecurityConfig</a:t>
-            </a:r>
-            <a:endParaRPr lang="en-US" sz="2400" dirty="0"/>
+              <a:rPr lang="bg-BG" sz="2600" dirty="0"/>
+              <a:t>Обект „Потребители“ – </a:t>
+            </a:r>
+            <a:r>
+              <a:rPr lang="en-US" sz="2600" dirty="0"/>
+              <a:t>Users </a:t>
+            </a:r>
+            <a:r>
+              <a:rPr lang="en-US" sz="2600" dirty="0" smtClean="0"/>
+              <a:t>Entity</a:t>
+            </a:r>
+          </a:p>
+          <a:p>
+            <a:r>
+              <a:rPr lang="bg-BG" sz="2600" dirty="0"/>
+              <a:t>Обект „Роля“ </a:t>
+            </a:r>
+            <a:r>
+              <a:rPr lang="bg-BG" sz="2600" dirty="0" smtClean="0"/>
+              <a:t>– </a:t>
+            </a:r>
+            <a:r>
+              <a:rPr lang="en-US" sz="2600" dirty="0" err="1" smtClean="0"/>
+              <a:t>RoleEntity</a:t>
+            </a:r>
+            <a:endParaRPr lang="en-US" sz="2600" dirty="0" smtClean="0"/>
+          </a:p>
+          <a:p>
+            <a:r>
+              <a:rPr lang="ru-RU" sz="2800" dirty="0"/>
+              <a:t>Обект „Спортно игрище“ - Field </a:t>
+            </a:r>
+            <a:r>
+              <a:rPr lang="ru-RU" sz="2800" dirty="0" smtClean="0"/>
+              <a:t>Entity</a:t>
+            </a:r>
+            <a:endParaRPr lang="en-US" sz="2800" dirty="0" smtClean="0"/>
+          </a:p>
+          <a:p>
+            <a:r>
+              <a:rPr lang="bg-BG" sz="2800" dirty="0"/>
+              <a:t>Обект „Резервация“ - </a:t>
+            </a:r>
+            <a:r>
+              <a:rPr lang="en-US" sz="2800" dirty="0"/>
+              <a:t>Reservation </a:t>
+            </a:r>
+            <a:r>
+              <a:rPr lang="en-US" sz="2800" dirty="0" err="1"/>
+              <a:t>Entitity</a:t>
+            </a:r>
+            <a:endParaRPr lang="en-US" sz="2800" dirty="0"/>
+          </a:p>
+          <a:p>
+            <a:endParaRPr lang="en-US" sz="2800" dirty="0"/>
+          </a:p>
+          <a:p>
+            <a:endParaRPr lang="en-US" sz="2600" dirty="0"/>
+          </a:p>
+          <a:p>
+            <a:endParaRPr lang="en-US" sz="2600" dirty="0"/>
           </a:p>
         </p:txBody>
       </p:sp>
@@ -12050,7 +10688,7 @@
           <p:cNvPr id="4" name="Slide Number Placeholder 3">
             <a:extLst>
               <a:ext uri="{FF2B5EF4-FFF2-40B4-BE49-F238E27FC236}">
-                <a16:creationId xmlns:a16="http://schemas.microsoft.com/office/drawing/2014/main" xmlns="" id="{09156448-26D9-4098-9BAD-2BB86A3CAE73}"/>
+                <a16:creationId xmlns="" xmlns:a16="http://schemas.microsoft.com/office/drawing/2014/main" id="{6B0D3AA0-15E5-49CF-82AA-BBB4911C51E9}"/>
               </a:ext>
             </a:extLst>
           </p:cNvPr>
@@ -12077,7 +10715,7 @@
     </p:spTree>
     <p:extLst>
       <p:ext uri="{BB962C8B-B14F-4D97-AF65-F5344CB8AC3E}">
-        <p14:creationId xmlns:p14="http://schemas.microsoft.com/office/powerpoint/2010/main" val="2817122198"/>
+        <p14:creationId xmlns:p14="http://schemas.microsoft.com/office/powerpoint/2010/main" val="3176616177"/>
       </p:ext>
     </p:extLst>
   </p:cSld>
@@ -12113,10 +10751,10 @@
       </p:grpSpPr>
       <p:sp>
         <p:nvSpPr>
-          <p:cNvPr id="3" name="Title 2">
+          <p:cNvPr id="2" name="Title 1">
             <a:extLst>
               <a:ext uri="{FF2B5EF4-FFF2-40B4-BE49-F238E27FC236}">
-                <a16:creationId xmlns:a16="http://schemas.microsoft.com/office/drawing/2014/main" xmlns="" id="{63C01DCF-F92E-420B-A5EA-8F21C647D759}"/>
+                <a16:creationId xmlns="" xmlns:a16="http://schemas.microsoft.com/office/drawing/2014/main" id="{2B5E322E-3FE8-4897-99A1-942E5C3CE98F}"/>
               </a:ext>
             </a:extLst>
           </p:cNvPr>
@@ -12127,37 +10765,33 @@
             <p:ph type="title"/>
           </p:nvPr>
         </p:nvSpPr>
-        <p:spPr/>
+        <p:spPr>
+          <a:xfrm>
+            <a:off x="1883798" y="624403"/>
+            <a:ext cx="8911687" cy="709875"/>
+          </a:xfrm>
+        </p:spPr>
         <p:txBody>
           <a:bodyPr/>
           <a:lstStyle/>
           <a:p>
             <a:r>
               <a:rPr lang="bg-BG" dirty="0"/>
-              <a:t>Обекти </a:t>
-            </a:r>
-            <a:r>
-              <a:rPr lang="bg-BG" dirty="0" smtClean="0"/>
-              <a:t>– „</a:t>
-            </a:r>
-            <a:r>
-              <a:rPr lang="en-US" dirty="0" smtClean="0"/>
-              <a:t>Entities</a:t>
-            </a:r>
-            <a:r>
-              <a:rPr lang="bg-BG" dirty="0" smtClean="0"/>
-              <a:t>“</a:t>
-            </a:r>
-            <a:endParaRPr lang="en-US" dirty="0"/>
-          </a:p>
-        </p:txBody>
-      </p:sp>
-      <p:sp>
-        <p:nvSpPr>
-          <p:cNvPr id="7" name="Text Placeholder 6">
+              <a:t>Хранилища – </a:t>
+            </a:r>
+            <a:r>
+              <a:rPr lang="en-US" dirty="0"/>
+              <a:t>“Repositories”</a:t>
+            </a:r>
+          </a:p>
+        </p:txBody>
+      </p:sp>
+      <p:sp>
+        <p:nvSpPr>
+          <p:cNvPr id="4" name="Content Placeholder 3">
             <a:extLst>
               <a:ext uri="{FF2B5EF4-FFF2-40B4-BE49-F238E27FC236}">
-                <a16:creationId xmlns:a16="http://schemas.microsoft.com/office/drawing/2014/main" xmlns="" id="{AEA9C637-FC21-4EE9-8F92-C06BFDF35CED}"/>
+                <a16:creationId xmlns="" xmlns:a16="http://schemas.microsoft.com/office/drawing/2014/main" id="{D788A98C-0287-4E33-9195-AE6B1B990C99}"/>
               </a:ext>
             </a:extLst>
           </p:cNvPr>
@@ -12165,85 +10799,95 @@
             <a:spLocks noGrp="1"/>
           </p:cNvSpPr>
           <p:nvPr>
-            <p:ph idx="1"/>
-          </p:nvPr>
-        </p:nvSpPr>
-        <p:spPr/>
-        <p:txBody>
-          <a:bodyPr/>
+            <p:ph sz="half" idx="2"/>
+          </p:nvPr>
+        </p:nvSpPr>
+        <p:spPr>
+          <a:xfrm>
+            <a:off x="2607053" y="1837426"/>
+            <a:ext cx="7779151" cy="4381549"/>
+          </a:xfrm>
+        </p:spPr>
+        <p:txBody>
+          <a:bodyPr>
+            <a:normAutofit/>
+          </a:bodyPr>
           <a:lstStyle/>
           <a:p>
             <a:r>
-              <a:rPr lang="bg-BG" sz="2600" dirty="0"/>
-              <a:t>Обект „Потребители“ – </a:t>
-            </a:r>
-            <a:r>
-              <a:rPr lang="en-US" sz="2600" dirty="0"/>
-              <a:t>Users </a:t>
-            </a:r>
-            <a:r>
-              <a:rPr lang="en-US" sz="2600" dirty="0" smtClean="0"/>
-              <a:t>Entity</a:t>
-            </a:r>
-          </a:p>
-          <a:p>
-            <a:r>
-              <a:rPr lang="bg-BG" sz="2600" dirty="0"/>
-              <a:t>Обект „Роля“ </a:t>
-            </a:r>
-            <a:r>
-              <a:rPr lang="bg-BG" sz="2600" dirty="0" smtClean="0"/>
+              <a:rPr lang="bg-BG" sz="2400" dirty="0" smtClean="0"/>
+              <a:t>Хранилище </a:t>
+            </a:r>
+            <a:r>
+              <a:rPr lang="bg-BG" sz="2400" dirty="0"/>
+              <a:t>за потребители </a:t>
+            </a:r>
+            <a:r>
+              <a:rPr lang="bg-BG" sz="2400" dirty="0" smtClean="0"/>
               <a:t>– </a:t>
             </a:r>
             <a:r>
-              <a:rPr lang="en-US" sz="2600" dirty="0" err="1" smtClean="0"/>
-              <a:t>RoleEntity</a:t>
-            </a:r>
-            <a:endParaRPr lang="en-US" sz="2600" dirty="0" smtClean="0"/>
-          </a:p>
-          <a:p>
-            <a:r>
-              <a:rPr lang="ru-RU" sz="2800" dirty="0"/>
-              <a:t>Обект „Спортно игрище“ - Field </a:t>
-            </a:r>
-            <a:r>
-              <a:rPr lang="ru-RU" sz="2800" dirty="0" smtClean="0"/>
-              <a:t>Entity</a:t>
-            </a:r>
-            <a:endParaRPr lang="en-US" sz="2800" dirty="0" smtClean="0"/>
-          </a:p>
-          <a:p>
-            <a:r>
-              <a:rPr lang="bg-BG" sz="2800" dirty="0"/>
-              <a:t>Обект „Резервация“ - </a:t>
-            </a:r>
-            <a:r>
-              <a:rPr lang="en-US" sz="2800" dirty="0"/>
-              <a:t>Reservation </a:t>
-            </a:r>
-            <a:r>
-              <a:rPr lang="en-US" sz="2800" dirty="0" err="1"/>
-              <a:t>Entitity</a:t>
-            </a:r>
-            <a:endParaRPr lang="en-US" sz="2800" dirty="0"/>
-          </a:p>
-          <a:p>
-            <a:endParaRPr lang="en-US" sz="2800" dirty="0"/>
-          </a:p>
-          <a:p>
-            <a:endParaRPr lang="en-US" sz="2600" dirty="0"/>
-          </a:p>
-          <a:p>
-            <a:endParaRPr lang="en-US" sz="2600" dirty="0"/>
-          </a:p>
-        </p:txBody>
-      </p:sp>
-      <p:sp>
-        <p:nvSpPr>
-          <p:cNvPr id="4" name="Slide Number Placeholder 3">
+              <a:rPr lang="en-US" sz="2400" dirty="0" err="1" smtClean="0"/>
+              <a:t>UserRepository</a:t>
+            </a:r>
+            <a:endParaRPr lang="bg-BG" sz="2400" dirty="0" smtClean="0"/>
+          </a:p>
+          <a:p>
+            <a:r>
+              <a:rPr lang="bg-BG" sz="2400" dirty="0"/>
+              <a:t>Хранилище за роли </a:t>
+            </a:r>
+            <a:r>
+              <a:rPr lang="bg-BG" sz="2400" dirty="0" smtClean="0"/>
+              <a:t>– </a:t>
+            </a:r>
+            <a:r>
+              <a:rPr lang="en-US" sz="2400" dirty="0" err="1" smtClean="0"/>
+              <a:t>RoleRepository</a:t>
+            </a:r>
+            <a:endParaRPr lang="bg-BG" sz="2400" dirty="0" smtClean="0"/>
+          </a:p>
+          <a:p>
+            <a:r>
+              <a:rPr lang="ru-RU" sz="2400" dirty="0"/>
+              <a:t>Хранилище за спортни игрища </a:t>
+            </a:r>
+            <a:r>
+              <a:rPr lang="ru-RU" sz="2400" dirty="0" smtClean="0"/>
+              <a:t>– FieldRepository</a:t>
+            </a:r>
+          </a:p>
+          <a:p>
+            <a:r>
+              <a:rPr lang="bg-BG" sz="2400" dirty="0"/>
+              <a:t>Хранилище за резервации - </a:t>
+            </a:r>
+            <a:r>
+              <a:rPr lang="en-US" sz="2400" dirty="0" err="1"/>
+              <a:t>ReservationRepository</a:t>
+            </a:r>
+            <a:endParaRPr lang="en-US" sz="2400" dirty="0"/>
+          </a:p>
+          <a:p>
+            <a:endParaRPr lang="en-US" sz="2400" b="1" dirty="0"/>
+          </a:p>
+          <a:p>
+            <a:endParaRPr lang="en-US" sz="2400" dirty="0"/>
+          </a:p>
+          <a:p>
+            <a:endParaRPr lang="en-US" sz="2400" b="1" dirty="0"/>
+          </a:p>
+          <a:p>
+            <a:endParaRPr lang="en-US" sz="2400" dirty="0"/>
+          </a:p>
+        </p:txBody>
+      </p:sp>
+      <p:sp>
+        <p:nvSpPr>
+          <p:cNvPr id="7" name="Slide Number Placeholder 6">
             <a:extLst>
               <a:ext uri="{FF2B5EF4-FFF2-40B4-BE49-F238E27FC236}">
-                <a16:creationId xmlns:a16="http://schemas.microsoft.com/office/drawing/2014/main" xmlns="" id="{6B0D3AA0-15E5-49CF-82AA-BBB4911C51E9}"/>
+                <a16:creationId xmlns="" xmlns:a16="http://schemas.microsoft.com/office/drawing/2014/main" id="{C14695F8-4257-44C7-AD37-011B62E794F1}"/>
               </a:ext>
             </a:extLst>
           </p:cNvPr>
@@ -12270,7 +10914,7 @@
     </p:spTree>
     <p:extLst>
       <p:ext uri="{BB962C8B-B14F-4D97-AF65-F5344CB8AC3E}">
-        <p14:creationId xmlns:p14="http://schemas.microsoft.com/office/powerpoint/2010/main" val="3176616177"/>
+        <p14:creationId xmlns:p14="http://schemas.microsoft.com/office/powerpoint/2010/main" val="1661612835"/>
       </p:ext>
     </p:extLst>
   </p:cSld>
@@ -12304,211 +10948,12 @@
           <a:chExt cx="0" cy="0"/>
         </a:xfrm>
       </p:grpSpPr>
-      <p:sp>
-        <p:nvSpPr>
-          <p:cNvPr id="2" name="Title 1">
-            <a:extLst>
-              <a:ext uri="{FF2B5EF4-FFF2-40B4-BE49-F238E27FC236}">
-                <a16:creationId xmlns:a16="http://schemas.microsoft.com/office/drawing/2014/main" xmlns="" id="{2B5E322E-3FE8-4897-99A1-942E5C3CE98F}"/>
-              </a:ext>
-            </a:extLst>
-          </p:cNvPr>
-          <p:cNvSpPr>
-            <a:spLocks noGrp="1"/>
-          </p:cNvSpPr>
-          <p:nvPr>
-            <p:ph type="title"/>
-          </p:nvPr>
-        </p:nvSpPr>
-        <p:spPr>
-          <a:xfrm>
-            <a:off x="1883798" y="624403"/>
-            <a:ext cx="8911687" cy="709875"/>
-          </a:xfrm>
-        </p:spPr>
-        <p:txBody>
-          <a:bodyPr/>
-          <a:lstStyle/>
-          <a:p>
-            <a:r>
-              <a:rPr lang="bg-BG" dirty="0"/>
-              <a:t>Хранилища – </a:t>
-            </a:r>
-            <a:r>
-              <a:rPr lang="en-US" dirty="0"/>
-              <a:t>“Repositories”</a:t>
-            </a:r>
-          </a:p>
-        </p:txBody>
-      </p:sp>
-      <p:sp>
-        <p:nvSpPr>
-          <p:cNvPr id="4" name="Content Placeholder 3">
-            <a:extLst>
-              <a:ext uri="{FF2B5EF4-FFF2-40B4-BE49-F238E27FC236}">
-                <a16:creationId xmlns:a16="http://schemas.microsoft.com/office/drawing/2014/main" xmlns="" id="{D788A98C-0287-4E33-9195-AE6B1B990C99}"/>
-              </a:ext>
-            </a:extLst>
-          </p:cNvPr>
-          <p:cNvSpPr>
-            <a:spLocks noGrp="1"/>
-          </p:cNvSpPr>
-          <p:nvPr>
-            <p:ph sz="half" idx="2"/>
-          </p:nvPr>
-        </p:nvSpPr>
-        <p:spPr>
-          <a:xfrm>
-            <a:off x="2607053" y="1837426"/>
-            <a:ext cx="7779151" cy="4381549"/>
-          </a:xfrm>
-        </p:spPr>
-        <p:txBody>
-          <a:bodyPr>
-            <a:normAutofit/>
-          </a:bodyPr>
-          <a:lstStyle/>
-          <a:p>
-            <a:r>
-              <a:rPr lang="bg-BG" sz="2400" dirty="0" smtClean="0"/>
-              <a:t>Хранилище </a:t>
-            </a:r>
-            <a:r>
-              <a:rPr lang="bg-BG" sz="2400" dirty="0"/>
-              <a:t>за потребители </a:t>
-            </a:r>
-            <a:r>
-              <a:rPr lang="bg-BG" sz="2400" dirty="0" smtClean="0"/>
-              <a:t>– </a:t>
-            </a:r>
-            <a:r>
-              <a:rPr lang="en-US" sz="2400" dirty="0" err="1" smtClean="0"/>
-              <a:t>UserRepository</a:t>
-            </a:r>
-            <a:endParaRPr lang="bg-BG" sz="2400" dirty="0" smtClean="0"/>
-          </a:p>
-          <a:p>
-            <a:r>
-              <a:rPr lang="bg-BG" sz="2400" dirty="0"/>
-              <a:t>Хранилище за роли </a:t>
-            </a:r>
-            <a:r>
-              <a:rPr lang="bg-BG" sz="2400" dirty="0" smtClean="0"/>
-              <a:t>– </a:t>
-            </a:r>
-            <a:r>
-              <a:rPr lang="en-US" sz="2400" dirty="0" err="1" smtClean="0"/>
-              <a:t>RoleRepository</a:t>
-            </a:r>
-            <a:endParaRPr lang="bg-BG" sz="2400" dirty="0" smtClean="0"/>
-          </a:p>
-          <a:p>
-            <a:r>
-              <a:rPr lang="ru-RU" sz="2400" dirty="0"/>
-              <a:t>Хранилище за спортни игрища </a:t>
-            </a:r>
-            <a:r>
-              <a:rPr lang="ru-RU" sz="2400" dirty="0" smtClean="0"/>
-              <a:t>– FieldRepository</a:t>
-            </a:r>
-          </a:p>
-          <a:p>
-            <a:r>
-              <a:rPr lang="bg-BG" sz="2400" dirty="0"/>
-              <a:t>Хранилище за резервации - </a:t>
-            </a:r>
-            <a:r>
-              <a:rPr lang="en-US" sz="2400" dirty="0" err="1"/>
-              <a:t>ReservationRepository</a:t>
-            </a:r>
-            <a:endParaRPr lang="en-US" sz="2400" dirty="0"/>
-          </a:p>
-          <a:p>
-            <a:endParaRPr lang="en-US" sz="2400" b="1" dirty="0"/>
-          </a:p>
-          <a:p>
-            <a:endParaRPr lang="en-US" sz="2400" dirty="0"/>
-          </a:p>
-          <a:p>
-            <a:endParaRPr lang="en-US" sz="2400" b="1" dirty="0"/>
-          </a:p>
-          <a:p>
-            <a:endParaRPr lang="en-US" sz="2400" dirty="0"/>
-          </a:p>
-        </p:txBody>
-      </p:sp>
-      <p:sp>
-        <p:nvSpPr>
-          <p:cNvPr id="7" name="Slide Number Placeholder 6">
-            <a:extLst>
-              <a:ext uri="{FF2B5EF4-FFF2-40B4-BE49-F238E27FC236}">
-                <a16:creationId xmlns:a16="http://schemas.microsoft.com/office/drawing/2014/main" xmlns="" id="{C14695F8-4257-44C7-AD37-011B62E794F1}"/>
-              </a:ext>
-            </a:extLst>
-          </p:cNvPr>
-          <p:cNvSpPr>
-            <a:spLocks noGrp="1"/>
-          </p:cNvSpPr>
-          <p:nvPr>
-            <p:ph type="sldNum" sz="quarter" idx="12"/>
-          </p:nvPr>
-        </p:nvSpPr>
-        <p:spPr/>
-        <p:txBody>
-          <a:bodyPr/>
-          <a:lstStyle/>
-          <a:p>
-            <a:fld id="{7C933938-B8E8-47AB-B89E-92B6FF3A5B7F}" type="slidenum">
-              <a:rPr lang="bg-BG" smtClean="0"/>
-              <a:t>7</a:t>
-            </a:fld>
-            <a:endParaRPr lang="bg-BG"/>
-          </a:p>
-        </p:txBody>
-      </p:sp>
-    </p:spTree>
-    <p:extLst>
-      <p:ext uri="{BB962C8B-B14F-4D97-AF65-F5344CB8AC3E}">
-        <p14:creationId xmlns:p14="http://schemas.microsoft.com/office/powerpoint/2010/main" val="1661612835"/>
-      </p:ext>
-    </p:extLst>
-  </p:cSld>
-  <p:clrMapOvr>
-    <a:masterClrMapping/>
-  </p:clrMapOvr>
-  <p:timing>
-    <p:tnLst>
-      <p:par>
-        <p:cTn id="1" dur="indefinite" restart="never" nodeType="tmRoot"/>
-      </p:par>
-    </p:tnLst>
-  </p:timing>
-</p:sld>
-</file>
-
-<file path=ppt/slides/slide8.xml><?xml version="1.0" encoding="utf-8"?>
-<p:sld xmlns:a="http://schemas.openxmlformats.org/drawingml/2006/main" xmlns:r="http://schemas.openxmlformats.org/officeDocument/2006/relationships" xmlns:p="http://schemas.openxmlformats.org/presentationml/2006/main">
-  <p:cSld>
-    <p:spTree>
-      <p:nvGrpSpPr>
-        <p:cNvPr id="1" name=""/>
-        <p:cNvGrpSpPr/>
-        <p:nvPr/>
-      </p:nvGrpSpPr>
-      <p:grpSpPr>
-        <a:xfrm>
-          <a:off x="0" y="0"/>
-          <a:ext cx="0" cy="0"/>
-          <a:chOff x="0" y="0"/>
-          <a:chExt cx="0" cy="0"/>
-        </a:xfrm>
-      </p:grpSpPr>
       <p:pic>
         <p:nvPicPr>
           <p:cNvPr id="7" name="Picture 6" descr="Graphical user interface, text, application, email&#10;&#10;Description automatically generated">
             <a:extLst>
               <a:ext uri="{FF2B5EF4-FFF2-40B4-BE49-F238E27FC236}">
-                <a16:creationId xmlns:a16="http://schemas.microsoft.com/office/drawing/2014/main" xmlns="" id="{7BC14A7D-0212-4935-86ED-9D5E889E24BB}"/>
+                <a16:creationId xmlns="" xmlns:a16="http://schemas.microsoft.com/office/drawing/2014/main" id="{7BC14A7D-0212-4935-86ED-9D5E889E24BB}"/>
               </a:ext>
             </a:extLst>
           </p:cNvPr>
@@ -12544,7 +10989,7 @@
           <p:cNvPr id="2" name="Title 1">
             <a:extLst>
               <a:ext uri="{FF2B5EF4-FFF2-40B4-BE49-F238E27FC236}">
-                <a16:creationId xmlns:a16="http://schemas.microsoft.com/office/drawing/2014/main" xmlns="" id="{76AF2A21-F337-4109-AFF6-A9EABDD9BE69}"/>
+                <a16:creationId xmlns="" xmlns:a16="http://schemas.microsoft.com/office/drawing/2014/main" id="{76AF2A21-F337-4109-AFF6-A9EABDD9BE69}"/>
               </a:ext>
             </a:extLst>
           </p:cNvPr>
@@ -12611,7 +11056,7 @@
           <p:cNvPr id="3" name="Content Placeholder 2">
             <a:extLst>
               <a:ext uri="{FF2B5EF4-FFF2-40B4-BE49-F238E27FC236}">
-                <a16:creationId xmlns:a16="http://schemas.microsoft.com/office/drawing/2014/main" xmlns="" id="{66C207F6-AAF6-4173-ADAC-425F1308852C}"/>
+                <a16:creationId xmlns="" xmlns:a16="http://schemas.microsoft.com/office/drawing/2014/main" id="{66C207F6-AAF6-4173-ADAC-425F1308852C}"/>
               </a:ext>
             </a:extLst>
           </p:cNvPr>
@@ -12659,7 +11104,7 @@
           <p:cNvPr id="4" name="Slide Number Placeholder 3">
             <a:extLst>
               <a:ext uri="{FF2B5EF4-FFF2-40B4-BE49-F238E27FC236}">
-                <a16:creationId xmlns:a16="http://schemas.microsoft.com/office/drawing/2014/main" xmlns="" id="{8442CA4C-276C-46DE-8D0C-09A2EEA7E359}"/>
+                <a16:creationId xmlns="" xmlns:a16="http://schemas.microsoft.com/office/drawing/2014/main" id="{8442CA4C-276C-46DE-8D0C-09A2EEA7E359}"/>
               </a:ext>
             </a:extLst>
           </p:cNvPr>
@@ -12677,7 +11122,7 @@
           <a:p>
             <a:fld id="{7C933938-B8E8-47AB-B89E-92B6FF3A5B7F}" type="slidenum">
               <a:rPr lang="bg-BG" smtClean="0"/>
-              <a:t>8</a:t>
+              <a:t>7</a:t>
             </a:fld>
             <a:endParaRPr lang="bg-BG"/>
           </a:p>
@@ -12688,7 +11133,7 @@
           <p:cNvPr id="6" name="Picture 5" descr="Text&#10;&#10;Description automatically generated">
             <a:extLst>
               <a:ext uri="{FF2B5EF4-FFF2-40B4-BE49-F238E27FC236}">
-                <a16:creationId xmlns:a16="http://schemas.microsoft.com/office/drawing/2014/main" xmlns="" id="{1F44D355-4F16-46B7-A0F5-0D00EA38896C}"/>
+                <a16:creationId xmlns="" xmlns:a16="http://schemas.microsoft.com/office/drawing/2014/main" id="{1F44D355-4F16-46B7-A0F5-0D00EA38896C}"/>
               </a:ext>
             </a:extLst>
           </p:cNvPr>
@@ -12739,7 +11184,7 @@
 </p:sld>
 </file>
 
-<file path=ppt/slides/slide9.xml><?xml version="1.0" encoding="utf-8"?>
+<file path=ppt/slides/slide8.xml><?xml version="1.0" encoding="utf-8"?>
 <p:sld xmlns:a="http://schemas.openxmlformats.org/drawingml/2006/main" xmlns:r="http://schemas.openxmlformats.org/officeDocument/2006/relationships" xmlns:p="http://schemas.openxmlformats.org/presentationml/2006/main">
   <p:cSld>
     <p:spTree>
@@ -12761,7 +11206,7 @@
           <p:cNvPr id="3" name="Content Placeholder 2">
             <a:extLst>
               <a:ext uri="{FF2B5EF4-FFF2-40B4-BE49-F238E27FC236}">
-                <a16:creationId xmlns:a16="http://schemas.microsoft.com/office/drawing/2014/main" xmlns="" id="{4E1A9E23-33D1-4CFF-8519-73C95F26AB4B}"/>
+                <a16:creationId xmlns="" xmlns:a16="http://schemas.microsoft.com/office/drawing/2014/main" id="{4E1A9E23-33D1-4CFF-8519-73C95F26AB4B}"/>
               </a:ext>
             </a:extLst>
           </p:cNvPr>
@@ -12824,7 +11269,7 @@
           <p:cNvPr id="4" name="Slide Number Placeholder 3">
             <a:extLst>
               <a:ext uri="{FF2B5EF4-FFF2-40B4-BE49-F238E27FC236}">
-                <a16:creationId xmlns:a16="http://schemas.microsoft.com/office/drawing/2014/main" xmlns="" id="{BC9CBFDD-61FA-47A0-96B2-18B70F972386}"/>
+                <a16:creationId xmlns="" xmlns:a16="http://schemas.microsoft.com/office/drawing/2014/main" id="{BC9CBFDD-61FA-47A0-96B2-18B70F972386}"/>
               </a:ext>
             </a:extLst>
           </p:cNvPr>
@@ -12842,7 +11287,7 @@
           <a:p>
             <a:fld id="{7C933938-B8E8-47AB-B89E-92B6FF3A5B7F}" type="slidenum">
               <a:rPr lang="bg-BG" smtClean="0"/>
-              <a:t>9</a:t>
+              <a:t>8</a:t>
             </a:fld>
             <a:endParaRPr lang="bg-BG"/>
           </a:p>
@@ -12853,7 +11298,7 @@
           <p:cNvPr id="6" name="Picture 5" descr="Text&#10;&#10;Description automatically generated">
             <a:extLst>
               <a:ext uri="{FF2B5EF4-FFF2-40B4-BE49-F238E27FC236}">
-                <a16:creationId xmlns:a16="http://schemas.microsoft.com/office/drawing/2014/main" xmlns="" id="{733C1A5D-0B8E-418C-9FFF-81BA23F8B6B8}"/>
+                <a16:creationId xmlns="" xmlns:a16="http://schemas.microsoft.com/office/drawing/2014/main" id="{733C1A5D-0B8E-418C-9FFF-81BA23F8B6B8}"/>
               </a:ext>
             </a:extLst>
           </p:cNvPr>
@@ -12889,7 +11334,7 @@
           <p:cNvPr id="5" name="Picture 4">
             <a:extLst>
               <a:ext uri="{FF2B5EF4-FFF2-40B4-BE49-F238E27FC236}">
-                <a16:creationId xmlns:a16="http://schemas.microsoft.com/office/drawing/2014/main" xmlns="" id="{D6C2FF43-4BB2-497A-823B-081D5ADA92D9}"/>
+                <a16:creationId xmlns="" xmlns:a16="http://schemas.microsoft.com/office/drawing/2014/main" id="{D6C2FF43-4BB2-497A-823B-081D5ADA92D9}"/>
               </a:ext>
             </a:extLst>
           </p:cNvPr>
@@ -12924,6 +11369,180 @@
     <p:extLst>
       <p:ext uri="{BB962C8B-B14F-4D97-AF65-F5344CB8AC3E}">
         <p14:creationId xmlns:p14="http://schemas.microsoft.com/office/powerpoint/2010/main" val="2605487680"/>
+      </p:ext>
+    </p:extLst>
+  </p:cSld>
+  <p:clrMapOvr>
+    <a:masterClrMapping/>
+  </p:clrMapOvr>
+  <p:timing>
+    <p:tnLst>
+      <p:par>
+        <p:cTn id="1" dur="indefinite" restart="never" nodeType="tmRoot"/>
+      </p:par>
+    </p:tnLst>
+  </p:timing>
+</p:sld>
+</file>
+
+<file path=ppt/slides/slide9.xml><?xml version="1.0" encoding="utf-8"?>
+<p:sld xmlns:a="http://schemas.openxmlformats.org/drawingml/2006/main" xmlns:r="http://schemas.openxmlformats.org/officeDocument/2006/relationships" xmlns:p="http://schemas.openxmlformats.org/presentationml/2006/main">
+  <p:cSld>
+    <p:spTree>
+      <p:nvGrpSpPr>
+        <p:cNvPr id="1" name=""/>
+        <p:cNvGrpSpPr/>
+        <p:nvPr/>
+      </p:nvGrpSpPr>
+      <p:grpSpPr>
+        <a:xfrm>
+          <a:off x="0" y="0"/>
+          <a:ext cx="0" cy="0"/>
+          <a:chOff x="0" y="0"/>
+          <a:chExt cx="0" cy="0"/>
+        </a:xfrm>
+      </p:grpSpPr>
+      <p:sp>
+        <p:nvSpPr>
+          <p:cNvPr id="3" name="Content Placeholder 2">
+            <a:extLst>
+              <a:ext uri="{FF2B5EF4-FFF2-40B4-BE49-F238E27FC236}">
+                <a16:creationId xmlns="" xmlns:a16="http://schemas.microsoft.com/office/drawing/2014/main" id="{5D66CA2D-4827-4508-95CB-E90CAA427AE6}"/>
+              </a:ext>
+            </a:extLst>
+          </p:cNvPr>
+          <p:cNvSpPr>
+            <a:spLocks noGrp="1"/>
+          </p:cNvSpPr>
+          <p:nvPr>
+            <p:ph idx="1"/>
+          </p:nvPr>
+        </p:nvSpPr>
+        <p:spPr>
+          <a:xfrm>
+            <a:off x="2135884" y="782792"/>
+            <a:ext cx="8915400" cy="740229"/>
+          </a:xfrm>
+        </p:spPr>
+        <p:txBody>
+          <a:bodyPr>
+            <a:normAutofit/>
+          </a:bodyPr>
+          <a:lstStyle/>
+          <a:p>
+            <a:r>
+              <a:rPr lang="bg-BG" sz="2400" dirty="0" smtClean="0"/>
+              <a:t>Преглед на профилна информация и резервации</a:t>
+            </a:r>
+            <a:endParaRPr lang="en-US" sz="2400" dirty="0"/>
+          </a:p>
+        </p:txBody>
+      </p:sp>
+      <p:sp>
+        <p:nvSpPr>
+          <p:cNvPr id="4" name="Slide Number Placeholder 3">
+            <a:extLst>
+              <a:ext uri="{FF2B5EF4-FFF2-40B4-BE49-F238E27FC236}">
+                <a16:creationId xmlns="" xmlns:a16="http://schemas.microsoft.com/office/drawing/2014/main" id="{9F124544-E891-4B06-9B63-1C7D6FAAD422}"/>
+              </a:ext>
+            </a:extLst>
+          </p:cNvPr>
+          <p:cNvSpPr>
+            <a:spLocks noGrp="1"/>
+          </p:cNvSpPr>
+          <p:nvPr>
+            <p:ph type="sldNum" sz="quarter" idx="12"/>
+          </p:nvPr>
+        </p:nvSpPr>
+        <p:spPr/>
+        <p:txBody>
+          <a:bodyPr/>
+          <a:lstStyle/>
+          <a:p>
+            <a:fld id="{7C933938-B8E8-47AB-B89E-92B6FF3A5B7F}" type="slidenum">
+              <a:rPr lang="bg-BG" smtClean="0"/>
+              <a:t>9</a:t>
+            </a:fld>
+            <a:endParaRPr lang="bg-BG"/>
+          </a:p>
+        </p:txBody>
+      </p:sp>
+      <p:pic>
+        <p:nvPicPr>
+          <p:cNvPr id="6" name="Picture 5" descr="Text&#10;&#10;Description automatically generated">
+            <a:extLst>
+              <a:ext uri="{FF2B5EF4-FFF2-40B4-BE49-F238E27FC236}">
+                <a16:creationId xmlns="" xmlns:a16="http://schemas.microsoft.com/office/drawing/2014/main" id="{F570B065-752D-4EC5-A56E-4F12BF332A6F}"/>
+              </a:ext>
+            </a:extLst>
+          </p:cNvPr>
+          <p:cNvPicPr>
+            <a:picLocks noChangeAspect="1"/>
+          </p:cNvPicPr>
+          <p:nvPr/>
+        </p:nvPicPr>
+        <p:blipFill>
+          <a:blip r:embed="rId2">
+            <a:extLst>
+              <a:ext uri="{28A0092B-C50C-407E-A947-70E740481C1C}">
+                <a14:useLocalDpi xmlns:a14="http://schemas.microsoft.com/office/drawing/2010/main" val="0"/>
+              </a:ext>
+            </a:extLst>
+          </a:blip>
+          <a:stretch>
+            <a:fillRect/>
+          </a:stretch>
+        </p:blipFill>
+        <p:spPr>
+          <a:xfrm>
+            <a:off x="250717" y="1592032"/>
+            <a:ext cx="8734837" cy="3543300"/>
+          </a:xfrm>
+          <a:prstGeom prst="rect">
+            <a:avLst/>
+          </a:prstGeom>
+        </p:spPr>
+      </p:pic>
+      <p:pic>
+        <p:nvPicPr>
+          <p:cNvPr id="5" name="Picture 4">
+            <a:extLst>
+              <a:ext uri="{FF2B5EF4-FFF2-40B4-BE49-F238E27FC236}">
+                <a16:creationId xmlns="" xmlns:a16="http://schemas.microsoft.com/office/drawing/2014/main" id="{583AA5BF-CD78-422A-8E4E-E1445475F64E}"/>
+              </a:ext>
+            </a:extLst>
+          </p:cNvPr>
+          <p:cNvPicPr>
+            <a:picLocks noChangeAspect="1"/>
+          </p:cNvPicPr>
+          <p:nvPr/>
+        </p:nvPicPr>
+        <p:blipFill>
+          <a:blip r:embed="rId3">
+            <a:extLst>
+              <a:ext uri="{28A0092B-C50C-407E-A947-70E740481C1C}">
+                <a14:useLocalDpi xmlns:a14="http://schemas.microsoft.com/office/drawing/2010/main" val="0"/>
+              </a:ext>
+            </a:extLst>
+          </a:blip>
+          <a:stretch>
+            <a:fillRect/>
+          </a:stretch>
+        </p:blipFill>
+        <p:spPr>
+          <a:xfrm>
+            <a:off x="1224951" y="5328969"/>
+            <a:ext cx="10788709" cy="816131"/>
+          </a:xfrm>
+          <a:prstGeom prst="rect">
+            <a:avLst/>
+          </a:prstGeom>
+        </p:spPr>
+      </p:pic>
+    </p:spTree>
+    <p:extLst>
+      <p:ext uri="{BB962C8B-B14F-4D97-AF65-F5344CB8AC3E}">
+        <p14:creationId xmlns:p14="http://schemas.microsoft.com/office/powerpoint/2010/main" val="494654850"/>
       </p:ext>
     </p:extLst>
   </p:cSld>

--- a/Дипломна защита_NEW.pptx
+++ b/Дипломна защита_NEW.pptx
@@ -8324,7 +8324,7 @@
           <p:cNvPr id="2" name="Title 1">
             <a:extLst>
               <a:ext uri="{FF2B5EF4-FFF2-40B4-BE49-F238E27FC236}">
-                <a16:creationId xmlns="" xmlns:a16="http://schemas.microsoft.com/office/drawing/2014/main" id="{9B68BBE6-144A-46E8-B81C-C05F3908A5C1}"/>
+                <a16:creationId xmlns:a16="http://schemas.microsoft.com/office/drawing/2014/main" xmlns="" id="{9B68BBE6-144A-46E8-B81C-C05F3908A5C1}"/>
               </a:ext>
             </a:extLst>
           </p:cNvPr>
@@ -8365,7 +8365,7 @@
           <p:cNvPr id="8" name="Content Placeholder 7">
             <a:extLst>
               <a:ext uri="{FF2B5EF4-FFF2-40B4-BE49-F238E27FC236}">
-                <a16:creationId xmlns="" xmlns:a16="http://schemas.microsoft.com/office/drawing/2014/main" id="{58CC3E09-C7E0-4431-962F-96ACEF436A3A}"/>
+                <a16:creationId xmlns:a16="http://schemas.microsoft.com/office/drawing/2014/main" xmlns="" id="{58CC3E09-C7E0-4431-962F-96ACEF436A3A}"/>
               </a:ext>
             </a:extLst>
           </p:cNvPr>
@@ -8401,7 +8401,7 @@
           <p:cNvPr id="7" name="Slide Number Placeholder 6">
             <a:extLst>
               <a:ext uri="{FF2B5EF4-FFF2-40B4-BE49-F238E27FC236}">
-                <a16:creationId xmlns="" xmlns:a16="http://schemas.microsoft.com/office/drawing/2014/main" id="{07D37E21-9A35-45ED-9462-0A7781671E7E}"/>
+                <a16:creationId xmlns:a16="http://schemas.microsoft.com/office/drawing/2014/main" xmlns="" id="{07D37E21-9A35-45ED-9462-0A7781671E7E}"/>
               </a:ext>
             </a:extLst>
           </p:cNvPr>
@@ -8430,7 +8430,7 @@
           <p:cNvPr id="10" name="Picture 9" descr="Text&#10;&#10;Description automatically generated">
             <a:extLst>
               <a:ext uri="{FF2B5EF4-FFF2-40B4-BE49-F238E27FC236}">
-                <a16:creationId xmlns="" xmlns:a16="http://schemas.microsoft.com/office/drawing/2014/main" id="{F736F547-7888-4885-A52A-CDA469715FC2}"/>
+                <a16:creationId xmlns:a16="http://schemas.microsoft.com/office/drawing/2014/main" xmlns="" id="{F736F547-7888-4885-A52A-CDA469715FC2}"/>
               </a:ext>
             </a:extLst>
           </p:cNvPr>
@@ -8503,7 +8503,7 @@
           <p:cNvPr id="2" name="Title 1">
             <a:extLst>
               <a:ext uri="{FF2B5EF4-FFF2-40B4-BE49-F238E27FC236}">
-                <a16:creationId xmlns="" xmlns:a16="http://schemas.microsoft.com/office/drawing/2014/main" id="{76030398-D54E-4871-8045-0DCCEE41ED2B}"/>
+                <a16:creationId xmlns:a16="http://schemas.microsoft.com/office/drawing/2014/main" xmlns="" id="{76030398-D54E-4871-8045-0DCCEE41ED2B}"/>
               </a:ext>
             </a:extLst>
           </p:cNvPr>
@@ -8553,7 +8553,7 @@
           <p:cNvPr id="3" name="Content Placeholder 2">
             <a:extLst>
               <a:ext uri="{FF2B5EF4-FFF2-40B4-BE49-F238E27FC236}">
-                <a16:creationId xmlns="" xmlns:a16="http://schemas.microsoft.com/office/drawing/2014/main" id="{2BE7DD5F-A313-4707-8EF0-CBC924218A0A}"/>
+                <a16:creationId xmlns:a16="http://schemas.microsoft.com/office/drawing/2014/main" xmlns="" id="{2BE7DD5F-A313-4707-8EF0-CBC924218A0A}"/>
               </a:ext>
             </a:extLst>
           </p:cNvPr>
@@ -8616,7 +8616,7 @@
           <p:cNvPr id="4" name="Slide Number Placeholder 3">
             <a:extLst>
               <a:ext uri="{FF2B5EF4-FFF2-40B4-BE49-F238E27FC236}">
-                <a16:creationId xmlns="" xmlns:a16="http://schemas.microsoft.com/office/drawing/2014/main" id="{6D22652E-F65C-4834-82D7-3C2DB7C73865}"/>
+                <a16:creationId xmlns:a16="http://schemas.microsoft.com/office/drawing/2014/main" xmlns="" id="{6D22652E-F65C-4834-82D7-3C2DB7C73865}"/>
               </a:ext>
             </a:extLst>
           </p:cNvPr>
@@ -8645,7 +8645,7 @@
           <p:cNvPr id="6" name="Picture 5" descr="Text&#10;&#10;Description automatically generated">
             <a:extLst>
               <a:ext uri="{FF2B5EF4-FFF2-40B4-BE49-F238E27FC236}">
-                <a16:creationId xmlns="" xmlns:a16="http://schemas.microsoft.com/office/drawing/2014/main" id="{FB2FF047-D71F-407A-B9B4-E791C57073E2}"/>
+                <a16:creationId xmlns:a16="http://schemas.microsoft.com/office/drawing/2014/main" xmlns="" id="{FB2FF047-D71F-407A-B9B4-E791C57073E2}"/>
               </a:ext>
             </a:extLst>
           </p:cNvPr>
@@ -8718,7 +8718,7 @@
           <p:cNvPr id="3" name="Content Placeholder 2">
             <a:extLst>
               <a:ext uri="{FF2B5EF4-FFF2-40B4-BE49-F238E27FC236}">
-                <a16:creationId xmlns="" xmlns:a16="http://schemas.microsoft.com/office/drawing/2014/main" id="{CDD3CB23-5241-4F5A-8D7D-18DBD27DF8DF}"/>
+                <a16:creationId xmlns:a16="http://schemas.microsoft.com/office/drawing/2014/main" xmlns="" id="{CDD3CB23-5241-4F5A-8D7D-18DBD27DF8DF}"/>
               </a:ext>
             </a:extLst>
           </p:cNvPr>
@@ -8754,7 +8754,7 @@
           <p:cNvPr id="4" name="Slide Number Placeholder 3">
             <a:extLst>
               <a:ext uri="{FF2B5EF4-FFF2-40B4-BE49-F238E27FC236}">
-                <a16:creationId xmlns="" xmlns:a16="http://schemas.microsoft.com/office/drawing/2014/main" id="{77AF611F-B0B7-41FE-ABDE-E0FA0E8249E8}"/>
+                <a16:creationId xmlns:a16="http://schemas.microsoft.com/office/drawing/2014/main" xmlns="" id="{77AF611F-B0B7-41FE-ABDE-E0FA0E8249E8}"/>
               </a:ext>
             </a:extLst>
           </p:cNvPr>
@@ -8783,7 +8783,7 @@
           <p:cNvPr id="6" name="Picture 5" descr="Text&#10;&#10;Description automatically generated">
             <a:extLst>
               <a:ext uri="{FF2B5EF4-FFF2-40B4-BE49-F238E27FC236}">
-                <a16:creationId xmlns="" xmlns:a16="http://schemas.microsoft.com/office/drawing/2014/main" id="{5FB1E530-B223-47DC-9771-96B0B863D475}"/>
+                <a16:creationId xmlns:a16="http://schemas.microsoft.com/office/drawing/2014/main" xmlns="" id="{5FB1E530-B223-47DC-9771-96B0B863D475}"/>
               </a:ext>
             </a:extLst>
           </p:cNvPr>
@@ -8819,7 +8819,7 @@
           <p:cNvPr id="5" name="Content Placeholder 5" descr="Graphical user interface, text, application, email&#10;&#10;Description automatically generated">
             <a:extLst>
               <a:ext uri="{FF2B5EF4-FFF2-40B4-BE49-F238E27FC236}">
-                <a16:creationId xmlns="" xmlns:a16="http://schemas.microsoft.com/office/drawing/2014/main" id="{EDD3002A-7E3F-42EA-A73E-4B8DFBFA64F8}"/>
+                <a16:creationId xmlns:a16="http://schemas.microsoft.com/office/drawing/2014/main" xmlns="" id="{EDD3002A-7E3F-42EA-A73E-4B8DFBFA64F8}"/>
               </a:ext>
             </a:extLst>
           </p:cNvPr>
@@ -8892,7 +8892,7 @@
           <p:cNvPr id="2" name="Title 1">
             <a:extLst>
               <a:ext uri="{FF2B5EF4-FFF2-40B4-BE49-F238E27FC236}">
-                <a16:creationId xmlns="" xmlns:a16="http://schemas.microsoft.com/office/drawing/2014/main" id="{6772CA98-22A9-4BD9-B62C-C9C2BE6D2ED3}"/>
+                <a16:creationId xmlns:a16="http://schemas.microsoft.com/office/drawing/2014/main" xmlns="" id="{6772CA98-22A9-4BD9-B62C-C9C2BE6D2ED3}"/>
               </a:ext>
             </a:extLst>
           </p:cNvPr>
@@ -8938,7 +8938,7 @@
           <p:cNvPr id="3" name="Content Placeholder 2">
             <a:extLst>
               <a:ext uri="{FF2B5EF4-FFF2-40B4-BE49-F238E27FC236}">
-                <a16:creationId xmlns="" xmlns:a16="http://schemas.microsoft.com/office/drawing/2014/main" id="{65E6E777-05B5-498F-8BC8-1779D2B8525F}"/>
+                <a16:creationId xmlns:a16="http://schemas.microsoft.com/office/drawing/2014/main" xmlns="" id="{65E6E777-05B5-498F-8BC8-1779D2B8525F}"/>
               </a:ext>
             </a:extLst>
           </p:cNvPr>
@@ -9016,7 +9016,7 @@
           <p:cNvPr id="4" name="Slide Number Placeholder 3">
             <a:extLst>
               <a:ext uri="{FF2B5EF4-FFF2-40B4-BE49-F238E27FC236}">
-                <a16:creationId xmlns="" xmlns:a16="http://schemas.microsoft.com/office/drawing/2014/main" id="{582F4382-418B-4426-A979-6432F8FAC0EA}"/>
+                <a16:creationId xmlns:a16="http://schemas.microsoft.com/office/drawing/2014/main" xmlns="" id="{582F4382-418B-4426-A979-6432F8FAC0EA}"/>
               </a:ext>
             </a:extLst>
           </p:cNvPr>
@@ -9045,7 +9045,7 @@
           <p:cNvPr id="6" name="Picture 5" descr="Text&#10;&#10;Description automatically generated">
             <a:extLst>
               <a:ext uri="{FF2B5EF4-FFF2-40B4-BE49-F238E27FC236}">
-                <a16:creationId xmlns="" xmlns:a16="http://schemas.microsoft.com/office/drawing/2014/main" id="{9A27D8C2-F398-465F-A87B-09037CC35F42}"/>
+                <a16:creationId xmlns:a16="http://schemas.microsoft.com/office/drawing/2014/main" xmlns="" id="{9A27D8C2-F398-465F-A87B-09037CC35F42}"/>
               </a:ext>
             </a:extLst>
           </p:cNvPr>
@@ -9081,7 +9081,7 @@
           <p:cNvPr id="8" name="Picture 7">
             <a:extLst>
               <a:ext uri="{FF2B5EF4-FFF2-40B4-BE49-F238E27FC236}">
-                <a16:creationId xmlns="" xmlns:a16="http://schemas.microsoft.com/office/drawing/2014/main" id="{97097DBF-EAA1-4084-938A-78D56A98D209}"/>
+                <a16:creationId xmlns:a16="http://schemas.microsoft.com/office/drawing/2014/main" xmlns="" id="{97097DBF-EAA1-4084-938A-78D56A98D209}"/>
               </a:ext>
             </a:extLst>
           </p:cNvPr>
@@ -9154,7 +9154,7 @@
           <p:cNvPr id="2" name="Title 1">
             <a:extLst>
               <a:ext uri="{FF2B5EF4-FFF2-40B4-BE49-F238E27FC236}">
-                <a16:creationId xmlns="" xmlns:a16="http://schemas.microsoft.com/office/drawing/2014/main" id="{742F8884-B14E-4D75-8951-61D6F2D2652F}"/>
+                <a16:creationId xmlns:a16="http://schemas.microsoft.com/office/drawing/2014/main" xmlns="" id="{742F8884-B14E-4D75-8951-61D6F2D2652F}"/>
               </a:ext>
             </a:extLst>
           </p:cNvPr>
@@ -9251,7 +9251,7 @@
           <p:cNvPr id="4" name="Slide Number Placeholder 3">
             <a:extLst>
               <a:ext uri="{FF2B5EF4-FFF2-40B4-BE49-F238E27FC236}">
-                <a16:creationId xmlns="" xmlns:a16="http://schemas.microsoft.com/office/drawing/2014/main" id="{BF6073B5-A2E3-4AEB-8973-35D68610647A}"/>
+                <a16:creationId xmlns:a16="http://schemas.microsoft.com/office/drawing/2014/main" xmlns="" id="{BF6073B5-A2E3-4AEB-8973-35D68610647A}"/>
               </a:ext>
             </a:extLst>
           </p:cNvPr>
@@ -9299,7 +9299,7 @@
           <p:cNvPr id="7" name="Content Placeholder 5" descr="Text&#10;&#10;Description automatically generated">
             <a:extLst>
               <a:ext uri="{FF2B5EF4-FFF2-40B4-BE49-F238E27FC236}">
-                <a16:creationId xmlns="" xmlns:a16="http://schemas.microsoft.com/office/drawing/2014/main" id="{0647C2B6-C236-44AE-9321-4202EC4F59C4}"/>
+                <a16:creationId xmlns:a16="http://schemas.microsoft.com/office/drawing/2014/main" xmlns="" id="{0647C2B6-C236-44AE-9321-4202EC4F59C4}"/>
               </a:ext>
             </a:extLst>
           </p:cNvPr>
@@ -9372,7 +9372,7 @@
           <p:cNvPr id="2" name="Title 1">
             <a:extLst>
               <a:ext uri="{FF2B5EF4-FFF2-40B4-BE49-F238E27FC236}">
-                <a16:creationId xmlns="" xmlns:a16="http://schemas.microsoft.com/office/drawing/2014/main" id="{E9A14C73-F7CC-46C6-AF0D-BB76A38B1118}"/>
+                <a16:creationId xmlns:a16="http://schemas.microsoft.com/office/drawing/2014/main" xmlns="" id="{E9A14C73-F7CC-46C6-AF0D-BB76A38B1118}"/>
               </a:ext>
             </a:extLst>
           </p:cNvPr>
@@ -9420,7 +9420,7 @@
           <p:cNvPr id="4" name="Slide Number Placeholder 3">
             <a:extLst>
               <a:ext uri="{FF2B5EF4-FFF2-40B4-BE49-F238E27FC236}">
-                <a16:creationId xmlns="" xmlns:a16="http://schemas.microsoft.com/office/drawing/2014/main" id="{9CB98D98-9A94-45AC-BC00-A9DBCFAC191A}"/>
+                <a16:creationId xmlns:a16="http://schemas.microsoft.com/office/drawing/2014/main" xmlns="" id="{9CB98D98-9A94-45AC-BC00-A9DBCFAC191A}"/>
               </a:ext>
             </a:extLst>
           </p:cNvPr>
@@ -9449,7 +9449,7 @@
           <p:cNvPr id="8" name="Picture 7" descr="Text&#10;&#10;Description automatically generated">
             <a:extLst>
               <a:ext uri="{FF2B5EF4-FFF2-40B4-BE49-F238E27FC236}">
-                <a16:creationId xmlns="" xmlns:a16="http://schemas.microsoft.com/office/drawing/2014/main" id="{B864631B-2FD9-4E4B-9547-571DA2DFF469}"/>
+                <a16:creationId xmlns:a16="http://schemas.microsoft.com/office/drawing/2014/main" xmlns="" id="{B864631B-2FD9-4E4B-9547-571DA2DFF469}"/>
               </a:ext>
             </a:extLst>
           </p:cNvPr>
@@ -9485,7 +9485,7 @@
           <p:cNvPr id="6" name="Picture 5" descr="Text&#10;&#10;Description automatically generated">
             <a:extLst>
               <a:ext uri="{FF2B5EF4-FFF2-40B4-BE49-F238E27FC236}">
-                <a16:creationId xmlns="" xmlns:a16="http://schemas.microsoft.com/office/drawing/2014/main" id="{1FC370E8-94B0-467D-AA14-3F4F3F11A4C4}"/>
+                <a16:creationId xmlns:a16="http://schemas.microsoft.com/office/drawing/2014/main" xmlns="" id="{1FC370E8-94B0-467D-AA14-3F4F3F11A4C4}"/>
               </a:ext>
             </a:extLst>
           </p:cNvPr>
@@ -9521,7 +9521,7 @@
           <p:cNvPr id="10" name="Picture 9" descr="Text&#10;&#10;Description automatically generated">
             <a:extLst>
               <a:ext uri="{FF2B5EF4-FFF2-40B4-BE49-F238E27FC236}">
-                <a16:creationId xmlns="" xmlns:a16="http://schemas.microsoft.com/office/drawing/2014/main" id="{2759962E-79F0-406D-B758-EFE505541D02}"/>
+                <a16:creationId xmlns:a16="http://schemas.microsoft.com/office/drawing/2014/main" xmlns="" id="{2759962E-79F0-406D-B758-EFE505541D02}"/>
               </a:ext>
             </a:extLst>
           </p:cNvPr>
@@ -9594,7 +9594,7 @@
           <p:cNvPr id="2" name="Title 1">
             <a:extLst>
               <a:ext uri="{FF2B5EF4-FFF2-40B4-BE49-F238E27FC236}">
-                <a16:creationId xmlns="" xmlns:a16="http://schemas.microsoft.com/office/drawing/2014/main" id="{A67EEFED-806B-4C4E-8693-C51D33902B10}"/>
+                <a16:creationId xmlns:a16="http://schemas.microsoft.com/office/drawing/2014/main" xmlns="" id="{A67EEFED-806B-4C4E-8693-C51D33902B10}"/>
               </a:ext>
             </a:extLst>
           </p:cNvPr>
@@ -9631,7 +9631,7 @@
           <p:cNvPr id="6" name="Content Placeholder 5" descr="Diagram&#10;&#10;Description automatically generated">
             <a:extLst>
               <a:ext uri="{FF2B5EF4-FFF2-40B4-BE49-F238E27FC236}">
-                <a16:creationId xmlns="" xmlns:a16="http://schemas.microsoft.com/office/drawing/2014/main" id="{929A2E97-A759-4086-9272-202C76ED3753}"/>
+                <a16:creationId xmlns:a16="http://schemas.microsoft.com/office/drawing/2014/main" xmlns="" id="{929A2E97-A759-4086-9272-202C76ED3753}"/>
               </a:ext>
             </a:extLst>
           </p:cNvPr>
@@ -9666,7 +9666,7 @@
           <p:cNvPr id="4" name="Slide Number Placeholder 3">
             <a:extLst>
               <a:ext uri="{FF2B5EF4-FFF2-40B4-BE49-F238E27FC236}">
-                <a16:creationId xmlns="" xmlns:a16="http://schemas.microsoft.com/office/drawing/2014/main" id="{F138766B-9003-4A9F-9772-63A7E9235B60}"/>
+                <a16:creationId xmlns:a16="http://schemas.microsoft.com/office/drawing/2014/main" xmlns="" id="{F138766B-9003-4A9F-9772-63A7E9235B60}"/>
               </a:ext>
             </a:extLst>
           </p:cNvPr>
@@ -9732,7 +9732,7 @@
           <p:cNvPr id="2" name="Title 1">
             <a:extLst>
               <a:ext uri="{FF2B5EF4-FFF2-40B4-BE49-F238E27FC236}">
-                <a16:creationId xmlns="" xmlns:a16="http://schemas.microsoft.com/office/drawing/2014/main" id="{B980F6ED-F39E-40C1-AEBE-BD3C9CD0E5E5}"/>
+                <a16:creationId xmlns:a16="http://schemas.microsoft.com/office/drawing/2014/main" xmlns="" id="{B980F6ED-F39E-40C1-AEBE-BD3C9CD0E5E5}"/>
               </a:ext>
             </a:extLst>
           </p:cNvPr>
@@ -9766,7 +9766,7 @@
           <p:cNvPr id="3" name="Content Placeholder 2">
             <a:extLst>
               <a:ext uri="{FF2B5EF4-FFF2-40B4-BE49-F238E27FC236}">
-                <a16:creationId xmlns="" xmlns:a16="http://schemas.microsoft.com/office/drawing/2014/main" id="{048F9368-F6BA-46FE-A7AE-226A2923907B}"/>
+                <a16:creationId xmlns:a16="http://schemas.microsoft.com/office/drawing/2014/main" xmlns="" id="{048F9368-F6BA-46FE-A7AE-226A2923907B}"/>
               </a:ext>
             </a:extLst>
           </p:cNvPr>
@@ -9796,9 +9796,14 @@
           </a:p>
           <a:p>
             <a:r>
-              <a:rPr lang="bg-BG" sz="2400" b="1" dirty="0"/>
-              <a:t>Подобренията на дипломният проект са спазени</a:t>
-            </a:r>
+              <a:rPr lang="bg-BG" sz="2400" b="1" dirty="0" smtClean="0"/>
+              <a:t>Предимства на разработеното в настоящата дипломна работа </a:t>
+            </a:r>
+            <a:r>
+              <a:rPr lang="bg-BG" sz="2400" b="1" smtClean="0"/>
+              <a:t>уеб приложение</a:t>
+            </a:r>
+            <a:endParaRPr lang="bg-BG" sz="2400" b="1" dirty="0"/>
           </a:p>
           <a:p>
             <a:pPr lvl="1"/>
@@ -9882,7 +9887,7 @@
           <p:cNvPr id="4" name="Slide Number Placeholder 3">
             <a:extLst>
               <a:ext uri="{FF2B5EF4-FFF2-40B4-BE49-F238E27FC236}">
-                <a16:creationId xmlns="" xmlns:a16="http://schemas.microsoft.com/office/drawing/2014/main" id="{1908C742-707C-480A-8FA5-74CDBBCBBFDF}"/>
+                <a16:creationId xmlns:a16="http://schemas.microsoft.com/office/drawing/2014/main" xmlns="" id="{1908C742-707C-480A-8FA5-74CDBBCBBFDF}"/>
               </a:ext>
             </a:extLst>
           </p:cNvPr>
@@ -9948,7 +9953,7 @@
           <p:cNvPr id="2" name="Title 1">
             <a:extLst>
               <a:ext uri="{FF2B5EF4-FFF2-40B4-BE49-F238E27FC236}">
-                <a16:creationId xmlns="" xmlns:a16="http://schemas.microsoft.com/office/drawing/2014/main" id="{779C03E2-5FA7-43C2-A26B-6B4FAC93190C}"/>
+                <a16:creationId xmlns:a16="http://schemas.microsoft.com/office/drawing/2014/main" xmlns="" id="{779C03E2-5FA7-43C2-A26B-6B4FAC93190C}"/>
               </a:ext>
             </a:extLst>
           </p:cNvPr>
@@ -9982,7 +9987,7 @@
           <p:cNvPr id="3" name="Subtitle 2">
             <a:extLst>
               <a:ext uri="{FF2B5EF4-FFF2-40B4-BE49-F238E27FC236}">
-                <a16:creationId xmlns="" xmlns:a16="http://schemas.microsoft.com/office/drawing/2014/main" id="{13831F3A-D8A9-432F-9C9C-477BF0B5F69F}"/>
+                <a16:creationId xmlns:a16="http://schemas.microsoft.com/office/drawing/2014/main" xmlns="" id="{13831F3A-D8A9-432F-9C9C-477BF0B5F69F}"/>
               </a:ext>
             </a:extLst>
           </p:cNvPr>
@@ -10007,7 +10012,7 @@
           <p:cNvPr id="4" name="Slide Number Placeholder 3">
             <a:extLst>
               <a:ext uri="{FF2B5EF4-FFF2-40B4-BE49-F238E27FC236}">
-                <a16:creationId xmlns="" xmlns:a16="http://schemas.microsoft.com/office/drawing/2014/main" id="{D25B268A-FE76-4A38-99E5-475B5278DFC5}"/>
+                <a16:creationId xmlns:a16="http://schemas.microsoft.com/office/drawing/2014/main" xmlns="" id="{D25B268A-FE76-4A38-99E5-475B5278DFC5}"/>
               </a:ext>
             </a:extLst>
           </p:cNvPr>
@@ -10235,7 +10240,7 @@
           <p:cNvPr id="2" name="Title 1">
             <a:extLst>
               <a:ext uri="{FF2B5EF4-FFF2-40B4-BE49-F238E27FC236}">
-                <a16:creationId xmlns="" xmlns:a16="http://schemas.microsoft.com/office/drawing/2014/main" id="{B408E0A3-B784-44CA-8041-FA768EA360FF}"/>
+                <a16:creationId xmlns:a16="http://schemas.microsoft.com/office/drawing/2014/main" xmlns="" id="{B408E0A3-B784-44CA-8041-FA768EA360FF}"/>
               </a:ext>
             </a:extLst>
           </p:cNvPr>
@@ -10269,7 +10274,7 @@
           <p:cNvPr id="6" name="Content Placeholder 5" descr="Diagram&#10;&#10;Description automatically generated">
             <a:extLst>
               <a:ext uri="{FF2B5EF4-FFF2-40B4-BE49-F238E27FC236}">
-                <a16:creationId xmlns="" xmlns:a16="http://schemas.microsoft.com/office/drawing/2014/main" id="{F820F938-F9B5-48E5-B2EB-5312B40595FA}"/>
+                <a16:creationId xmlns:a16="http://schemas.microsoft.com/office/drawing/2014/main" xmlns="" id="{F820F938-F9B5-48E5-B2EB-5312B40595FA}"/>
               </a:ext>
             </a:extLst>
           </p:cNvPr>
@@ -10304,7 +10309,7 @@
           <p:cNvPr id="4" name="Slide Number Placeholder 3">
             <a:extLst>
               <a:ext uri="{FF2B5EF4-FFF2-40B4-BE49-F238E27FC236}">
-                <a16:creationId xmlns="" xmlns:a16="http://schemas.microsoft.com/office/drawing/2014/main" id="{8B68E8C7-8E4D-4540-AAB1-42306B3846C6}"/>
+                <a16:creationId xmlns:a16="http://schemas.microsoft.com/office/drawing/2014/main" xmlns="" id="{8B68E8C7-8E4D-4540-AAB1-42306B3846C6}"/>
               </a:ext>
             </a:extLst>
           </p:cNvPr>
@@ -10370,7 +10375,7 @@
           <p:cNvPr id="2" name="Title 1">
             <a:extLst>
               <a:ext uri="{FF2B5EF4-FFF2-40B4-BE49-F238E27FC236}">
-                <a16:creationId xmlns="" xmlns:a16="http://schemas.microsoft.com/office/drawing/2014/main" id="{C3E4A3CA-A45D-4274-BC4F-ED9987452F2E}"/>
+                <a16:creationId xmlns:a16="http://schemas.microsoft.com/office/drawing/2014/main" xmlns="" id="{C3E4A3CA-A45D-4274-BC4F-ED9987452F2E}"/>
               </a:ext>
             </a:extLst>
           </p:cNvPr>
@@ -10399,7 +10404,7 @@
           <p:cNvPr id="3" name="Content Placeholder 2">
             <a:extLst>
               <a:ext uri="{FF2B5EF4-FFF2-40B4-BE49-F238E27FC236}">
-                <a16:creationId xmlns="" xmlns:a16="http://schemas.microsoft.com/office/drawing/2014/main" id="{E058B035-56E1-4E2E-938D-85F47CF9B782}"/>
+                <a16:creationId xmlns:a16="http://schemas.microsoft.com/office/drawing/2014/main" xmlns="" id="{E058B035-56E1-4E2E-938D-85F47CF9B782}"/>
               </a:ext>
             </a:extLst>
           </p:cNvPr>
@@ -10495,7 +10500,7 @@
           <p:cNvPr id="4" name="Slide Number Placeholder 3">
             <a:extLst>
               <a:ext uri="{FF2B5EF4-FFF2-40B4-BE49-F238E27FC236}">
-                <a16:creationId xmlns="" xmlns:a16="http://schemas.microsoft.com/office/drawing/2014/main" id="{09156448-26D9-4098-9BAD-2BB86A3CAE73}"/>
+                <a16:creationId xmlns:a16="http://schemas.microsoft.com/office/drawing/2014/main" xmlns="" id="{09156448-26D9-4098-9BAD-2BB86A3CAE73}"/>
               </a:ext>
             </a:extLst>
           </p:cNvPr>
@@ -10561,7 +10566,7 @@
           <p:cNvPr id="3" name="Title 2">
             <a:extLst>
               <a:ext uri="{FF2B5EF4-FFF2-40B4-BE49-F238E27FC236}">
-                <a16:creationId xmlns="" xmlns:a16="http://schemas.microsoft.com/office/drawing/2014/main" id="{63C01DCF-F92E-420B-A5EA-8F21C647D759}"/>
+                <a16:creationId xmlns:a16="http://schemas.microsoft.com/office/drawing/2014/main" xmlns="" id="{63C01DCF-F92E-420B-A5EA-8F21C647D759}"/>
               </a:ext>
             </a:extLst>
           </p:cNvPr>
@@ -10602,7 +10607,7 @@
           <p:cNvPr id="7" name="Text Placeholder 6">
             <a:extLst>
               <a:ext uri="{FF2B5EF4-FFF2-40B4-BE49-F238E27FC236}">
-                <a16:creationId xmlns="" xmlns:a16="http://schemas.microsoft.com/office/drawing/2014/main" id="{AEA9C637-FC21-4EE9-8F92-C06BFDF35CED}"/>
+                <a16:creationId xmlns:a16="http://schemas.microsoft.com/office/drawing/2014/main" xmlns="" id="{AEA9C637-FC21-4EE9-8F92-C06BFDF35CED}"/>
               </a:ext>
             </a:extLst>
           </p:cNvPr>
@@ -10688,7 +10693,7 @@
           <p:cNvPr id="4" name="Slide Number Placeholder 3">
             <a:extLst>
               <a:ext uri="{FF2B5EF4-FFF2-40B4-BE49-F238E27FC236}">
-                <a16:creationId xmlns="" xmlns:a16="http://schemas.microsoft.com/office/drawing/2014/main" id="{6B0D3AA0-15E5-49CF-82AA-BBB4911C51E9}"/>
+                <a16:creationId xmlns:a16="http://schemas.microsoft.com/office/drawing/2014/main" xmlns="" id="{6B0D3AA0-15E5-49CF-82AA-BBB4911C51E9}"/>
               </a:ext>
             </a:extLst>
           </p:cNvPr>
@@ -10754,7 +10759,7 @@
           <p:cNvPr id="2" name="Title 1">
             <a:extLst>
               <a:ext uri="{FF2B5EF4-FFF2-40B4-BE49-F238E27FC236}">
-                <a16:creationId xmlns="" xmlns:a16="http://schemas.microsoft.com/office/drawing/2014/main" id="{2B5E322E-3FE8-4897-99A1-942E5C3CE98F}"/>
+                <a16:creationId xmlns:a16="http://schemas.microsoft.com/office/drawing/2014/main" xmlns="" id="{2B5E322E-3FE8-4897-99A1-942E5C3CE98F}"/>
               </a:ext>
             </a:extLst>
           </p:cNvPr>
@@ -10791,7 +10796,7 @@
           <p:cNvPr id="4" name="Content Placeholder 3">
             <a:extLst>
               <a:ext uri="{FF2B5EF4-FFF2-40B4-BE49-F238E27FC236}">
-                <a16:creationId xmlns="" xmlns:a16="http://schemas.microsoft.com/office/drawing/2014/main" id="{D788A98C-0287-4E33-9195-AE6B1B990C99}"/>
+                <a16:creationId xmlns:a16="http://schemas.microsoft.com/office/drawing/2014/main" xmlns="" id="{D788A98C-0287-4E33-9195-AE6B1B990C99}"/>
               </a:ext>
             </a:extLst>
           </p:cNvPr>
@@ -10887,7 +10892,7 @@
           <p:cNvPr id="7" name="Slide Number Placeholder 6">
             <a:extLst>
               <a:ext uri="{FF2B5EF4-FFF2-40B4-BE49-F238E27FC236}">
-                <a16:creationId xmlns="" xmlns:a16="http://schemas.microsoft.com/office/drawing/2014/main" id="{C14695F8-4257-44C7-AD37-011B62E794F1}"/>
+                <a16:creationId xmlns:a16="http://schemas.microsoft.com/office/drawing/2014/main" xmlns="" id="{C14695F8-4257-44C7-AD37-011B62E794F1}"/>
               </a:ext>
             </a:extLst>
           </p:cNvPr>
@@ -10953,7 +10958,7 @@
           <p:cNvPr id="7" name="Picture 6" descr="Graphical user interface, text, application, email&#10;&#10;Description automatically generated">
             <a:extLst>
               <a:ext uri="{FF2B5EF4-FFF2-40B4-BE49-F238E27FC236}">
-                <a16:creationId xmlns="" xmlns:a16="http://schemas.microsoft.com/office/drawing/2014/main" id="{7BC14A7D-0212-4935-86ED-9D5E889E24BB}"/>
+                <a16:creationId xmlns:a16="http://schemas.microsoft.com/office/drawing/2014/main" xmlns="" id="{7BC14A7D-0212-4935-86ED-9D5E889E24BB}"/>
               </a:ext>
             </a:extLst>
           </p:cNvPr>
@@ -10989,7 +10994,7 @@
           <p:cNvPr id="2" name="Title 1">
             <a:extLst>
               <a:ext uri="{FF2B5EF4-FFF2-40B4-BE49-F238E27FC236}">
-                <a16:creationId xmlns="" xmlns:a16="http://schemas.microsoft.com/office/drawing/2014/main" id="{76AF2A21-F337-4109-AFF6-A9EABDD9BE69}"/>
+                <a16:creationId xmlns:a16="http://schemas.microsoft.com/office/drawing/2014/main" xmlns="" id="{76AF2A21-F337-4109-AFF6-A9EABDD9BE69}"/>
               </a:ext>
             </a:extLst>
           </p:cNvPr>
@@ -11056,7 +11061,7 @@
           <p:cNvPr id="3" name="Content Placeholder 2">
             <a:extLst>
               <a:ext uri="{FF2B5EF4-FFF2-40B4-BE49-F238E27FC236}">
-                <a16:creationId xmlns="" xmlns:a16="http://schemas.microsoft.com/office/drawing/2014/main" id="{66C207F6-AAF6-4173-ADAC-425F1308852C}"/>
+                <a16:creationId xmlns:a16="http://schemas.microsoft.com/office/drawing/2014/main" xmlns="" id="{66C207F6-AAF6-4173-ADAC-425F1308852C}"/>
               </a:ext>
             </a:extLst>
           </p:cNvPr>
@@ -11104,7 +11109,7 @@
           <p:cNvPr id="4" name="Slide Number Placeholder 3">
             <a:extLst>
               <a:ext uri="{FF2B5EF4-FFF2-40B4-BE49-F238E27FC236}">
-                <a16:creationId xmlns="" xmlns:a16="http://schemas.microsoft.com/office/drawing/2014/main" id="{8442CA4C-276C-46DE-8D0C-09A2EEA7E359}"/>
+                <a16:creationId xmlns:a16="http://schemas.microsoft.com/office/drawing/2014/main" xmlns="" id="{8442CA4C-276C-46DE-8D0C-09A2EEA7E359}"/>
               </a:ext>
             </a:extLst>
           </p:cNvPr>
@@ -11133,7 +11138,7 @@
           <p:cNvPr id="6" name="Picture 5" descr="Text&#10;&#10;Description automatically generated">
             <a:extLst>
               <a:ext uri="{FF2B5EF4-FFF2-40B4-BE49-F238E27FC236}">
-                <a16:creationId xmlns="" xmlns:a16="http://schemas.microsoft.com/office/drawing/2014/main" id="{1F44D355-4F16-46B7-A0F5-0D00EA38896C}"/>
+                <a16:creationId xmlns:a16="http://schemas.microsoft.com/office/drawing/2014/main" xmlns="" id="{1F44D355-4F16-46B7-A0F5-0D00EA38896C}"/>
               </a:ext>
             </a:extLst>
           </p:cNvPr>
@@ -11206,7 +11211,7 @@
           <p:cNvPr id="3" name="Content Placeholder 2">
             <a:extLst>
               <a:ext uri="{FF2B5EF4-FFF2-40B4-BE49-F238E27FC236}">
-                <a16:creationId xmlns="" xmlns:a16="http://schemas.microsoft.com/office/drawing/2014/main" id="{4E1A9E23-33D1-4CFF-8519-73C95F26AB4B}"/>
+                <a16:creationId xmlns:a16="http://schemas.microsoft.com/office/drawing/2014/main" xmlns="" id="{4E1A9E23-33D1-4CFF-8519-73C95F26AB4B}"/>
               </a:ext>
             </a:extLst>
           </p:cNvPr>
@@ -11269,7 +11274,7 @@
           <p:cNvPr id="4" name="Slide Number Placeholder 3">
             <a:extLst>
               <a:ext uri="{FF2B5EF4-FFF2-40B4-BE49-F238E27FC236}">
-                <a16:creationId xmlns="" xmlns:a16="http://schemas.microsoft.com/office/drawing/2014/main" id="{BC9CBFDD-61FA-47A0-96B2-18B70F972386}"/>
+                <a16:creationId xmlns:a16="http://schemas.microsoft.com/office/drawing/2014/main" xmlns="" id="{BC9CBFDD-61FA-47A0-96B2-18B70F972386}"/>
               </a:ext>
             </a:extLst>
           </p:cNvPr>
@@ -11298,7 +11303,7 @@
           <p:cNvPr id="6" name="Picture 5" descr="Text&#10;&#10;Description automatically generated">
             <a:extLst>
               <a:ext uri="{FF2B5EF4-FFF2-40B4-BE49-F238E27FC236}">
-                <a16:creationId xmlns="" xmlns:a16="http://schemas.microsoft.com/office/drawing/2014/main" id="{733C1A5D-0B8E-418C-9FFF-81BA23F8B6B8}"/>
+                <a16:creationId xmlns:a16="http://schemas.microsoft.com/office/drawing/2014/main" xmlns="" id="{733C1A5D-0B8E-418C-9FFF-81BA23F8B6B8}"/>
               </a:ext>
             </a:extLst>
           </p:cNvPr>
@@ -11334,7 +11339,7 @@
           <p:cNvPr id="5" name="Picture 4">
             <a:extLst>
               <a:ext uri="{FF2B5EF4-FFF2-40B4-BE49-F238E27FC236}">
-                <a16:creationId xmlns="" xmlns:a16="http://schemas.microsoft.com/office/drawing/2014/main" id="{D6C2FF43-4BB2-497A-823B-081D5ADA92D9}"/>
+                <a16:creationId xmlns:a16="http://schemas.microsoft.com/office/drawing/2014/main" xmlns="" id="{D6C2FF43-4BB2-497A-823B-081D5ADA92D9}"/>
               </a:ext>
             </a:extLst>
           </p:cNvPr>
@@ -11407,7 +11412,7 @@
           <p:cNvPr id="3" name="Content Placeholder 2">
             <a:extLst>
               <a:ext uri="{FF2B5EF4-FFF2-40B4-BE49-F238E27FC236}">
-                <a16:creationId xmlns="" xmlns:a16="http://schemas.microsoft.com/office/drawing/2014/main" id="{5D66CA2D-4827-4508-95CB-E90CAA427AE6}"/>
+                <a16:creationId xmlns:a16="http://schemas.microsoft.com/office/drawing/2014/main" xmlns="" id="{5D66CA2D-4827-4508-95CB-E90CAA427AE6}"/>
               </a:ext>
             </a:extLst>
           </p:cNvPr>
@@ -11443,7 +11448,7 @@
           <p:cNvPr id="4" name="Slide Number Placeholder 3">
             <a:extLst>
               <a:ext uri="{FF2B5EF4-FFF2-40B4-BE49-F238E27FC236}">
-                <a16:creationId xmlns="" xmlns:a16="http://schemas.microsoft.com/office/drawing/2014/main" id="{9F124544-E891-4B06-9B63-1C7D6FAAD422}"/>
+                <a16:creationId xmlns:a16="http://schemas.microsoft.com/office/drawing/2014/main" xmlns="" id="{9F124544-E891-4B06-9B63-1C7D6FAAD422}"/>
               </a:ext>
             </a:extLst>
           </p:cNvPr>
@@ -11472,7 +11477,7 @@
           <p:cNvPr id="6" name="Picture 5" descr="Text&#10;&#10;Description automatically generated">
             <a:extLst>
               <a:ext uri="{FF2B5EF4-FFF2-40B4-BE49-F238E27FC236}">
-                <a16:creationId xmlns="" xmlns:a16="http://schemas.microsoft.com/office/drawing/2014/main" id="{F570B065-752D-4EC5-A56E-4F12BF332A6F}"/>
+                <a16:creationId xmlns:a16="http://schemas.microsoft.com/office/drawing/2014/main" xmlns="" id="{F570B065-752D-4EC5-A56E-4F12BF332A6F}"/>
               </a:ext>
             </a:extLst>
           </p:cNvPr>
@@ -11508,7 +11513,7 @@
           <p:cNvPr id="5" name="Picture 4">
             <a:extLst>
               <a:ext uri="{FF2B5EF4-FFF2-40B4-BE49-F238E27FC236}">
-                <a16:creationId xmlns="" xmlns:a16="http://schemas.microsoft.com/office/drawing/2014/main" id="{583AA5BF-CD78-422A-8E4E-E1445475F64E}"/>
+                <a16:creationId xmlns:a16="http://schemas.microsoft.com/office/drawing/2014/main" xmlns="" id="{583AA5BF-CD78-422A-8E4E-E1445475F64E}"/>
               </a:ext>
             </a:extLst>
           </p:cNvPr>
